--- a/lectures/taxonomy-of-control-variables.pptx
+++ b/lectures/taxonomy-of-control-variables.pptx
@@ -312,7 +312,7 @@
             <a:fld id="{E81BFD8A-449E-480A-A71C-0B0F07D675E6}" type="datetimeFigureOut">
               <a:rPr lang="en-US" smtClean="0"/>
               <a:pPr/>
-              <a:t>8/25/2019</a:t>
+              <a:t>10/1/2019</a:t>
             </a:fld>
             <a:endParaRPr lang="en-US"/>
           </a:p>
@@ -482,7 +482,7 @@
             <a:fld id="{E81BFD8A-449E-480A-A71C-0B0F07D675E6}" type="datetimeFigureOut">
               <a:rPr lang="en-US" smtClean="0"/>
               <a:pPr/>
-              <a:t>8/25/2019</a:t>
+              <a:t>10/1/2019</a:t>
             </a:fld>
             <a:endParaRPr lang="en-US"/>
           </a:p>
@@ -662,7 +662,7 @@
             <a:fld id="{E81BFD8A-449E-480A-A71C-0B0F07D675E6}" type="datetimeFigureOut">
               <a:rPr lang="en-US" smtClean="0"/>
               <a:pPr/>
-              <a:t>8/25/2019</a:t>
+              <a:t>10/1/2019</a:t>
             </a:fld>
             <a:endParaRPr lang="en-US"/>
           </a:p>
@@ -832,7 +832,7 @@
             <a:fld id="{E81BFD8A-449E-480A-A71C-0B0F07D675E6}" type="datetimeFigureOut">
               <a:rPr lang="en-US" smtClean="0"/>
               <a:pPr/>
-              <a:t>8/25/2019</a:t>
+              <a:t>10/1/2019</a:t>
             </a:fld>
             <a:endParaRPr lang="en-US"/>
           </a:p>
@@ -1079,7 +1079,7 @@
             <a:fld id="{E81BFD8A-449E-480A-A71C-0B0F07D675E6}" type="datetimeFigureOut">
               <a:rPr lang="en-US" smtClean="0"/>
               <a:pPr/>
-              <a:t>8/25/2019</a:t>
+              <a:t>10/1/2019</a:t>
             </a:fld>
             <a:endParaRPr lang="en-US"/>
           </a:p>
@@ -1366,7 +1366,7 @@
             <a:fld id="{E81BFD8A-449E-480A-A71C-0B0F07D675E6}" type="datetimeFigureOut">
               <a:rPr lang="en-US" smtClean="0"/>
               <a:pPr/>
-              <a:t>8/25/2019</a:t>
+              <a:t>10/1/2019</a:t>
             </a:fld>
             <a:endParaRPr lang="en-US"/>
           </a:p>
@@ -1787,7 +1787,7 @@
             <a:fld id="{E81BFD8A-449E-480A-A71C-0B0F07D675E6}" type="datetimeFigureOut">
               <a:rPr lang="en-US" smtClean="0"/>
               <a:pPr/>
-              <a:t>8/25/2019</a:t>
+              <a:t>10/1/2019</a:t>
             </a:fld>
             <a:endParaRPr lang="en-US"/>
           </a:p>
@@ -1906,7 +1906,7 @@
             <a:fld id="{E81BFD8A-449E-480A-A71C-0B0F07D675E6}" type="datetimeFigureOut">
               <a:rPr lang="en-US" smtClean="0"/>
               <a:pPr/>
-              <a:t>8/25/2019</a:t>
+              <a:t>10/1/2019</a:t>
             </a:fld>
             <a:endParaRPr lang="en-US"/>
           </a:p>
@@ -2003,7 +2003,7 @@
             <a:fld id="{E81BFD8A-449E-480A-A71C-0B0F07D675E6}" type="datetimeFigureOut">
               <a:rPr lang="en-US" smtClean="0"/>
               <a:pPr/>
-              <a:t>8/25/2019</a:t>
+              <a:t>10/1/2019</a:t>
             </a:fld>
             <a:endParaRPr lang="en-US"/>
           </a:p>
@@ -2280,7 +2280,7 @@
             <a:fld id="{E81BFD8A-449E-480A-A71C-0B0F07D675E6}" type="datetimeFigureOut">
               <a:rPr lang="en-US" smtClean="0"/>
               <a:pPr/>
-              <a:t>8/25/2019</a:t>
+              <a:t>10/1/2019</a:t>
             </a:fld>
             <a:endParaRPr lang="en-US"/>
           </a:p>
@@ -2534,7 +2534,7 @@
             <a:fld id="{E81BFD8A-449E-480A-A71C-0B0F07D675E6}" type="datetimeFigureOut">
               <a:rPr lang="en-US" smtClean="0"/>
               <a:pPr/>
-              <a:t>8/25/2019</a:t>
+              <a:t>10/1/2019</a:t>
             </a:fld>
             <a:endParaRPr lang="en-US"/>
           </a:p>
@@ -2747,7 +2747,7 @@
             <a:fld id="{E81BFD8A-449E-480A-A71C-0B0F07D675E6}" type="datetimeFigureOut">
               <a:rPr lang="en-US" smtClean="0"/>
               <a:pPr/>
-              <a:t>8/25/2019</a:t>
+              <a:t>10/1/2019</a:t>
             </a:fld>
             <a:endParaRPr lang="en-US"/>
           </a:p>
@@ -10471,6 +10471,210 @@
           </p:sp>
         </mc:Fallback>
       </mc:AlternateContent>
+      <p:sp>
+        <p:nvSpPr>
+          <p:cNvPr id="3" name="TextBox 2">
+            <a:extLst>
+              <a:ext uri="{FF2B5EF4-FFF2-40B4-BE49-F238E27FC236}">
+                <a16:creationId xmlns:a16="http://schemas.microsoft.com/office/drawing/2014/main" id="{74B19D11-FAFF-4BAF-BB36-7E02B49A8B84}"/>
+              </a:ext>
+            </a:extLst>
+          </p:cNvPr>
+          <p:cNvSpPr txBox="1"/>
+          <p:nvPr/>
+        </p:nvSpPr>
+        <p:spPr>
+          <a:xfrm>
+            <a:off x="381000" y="2921168"/>
+            <a:ext cx="362600" cy="461665"/>
+          </a:xfrm>
+          <a:prstGeom prst="rect">
+            <a:avLst/>
+          </a:prstGeom>
+          <a:noFill/>
+        </p:spPr>
+        <p:txBody>
+          <a:bodyPr wrap="none" rtlCol="0">
+            <a:spAutoFit/>
+          </a:bodyPr>
+          <a:lstStyle/>
+          <a:p>
+            <a:r>
+              <a:rPr lang="en-US" sz="2400" dirty="0">
+                <a:solidFill>
+                  <a:schemeClr val="accent1"/>
+                </a:solidFill>
+              </a:rPr>
+              <a:t>A</a:t>
+            </a:r>
+          </a:p>
+        </p:txBody>
+      </p:sp>
+      <p:sp>
+        <p:nvSpPr>
+          <p:cNvPr id="21" name="TextBox 20">
+            <a:extLst>
+              <a:ext uri="{FF2B5EF4-FFF2-40B4-BE49-F238E27FC236}">
+                <a16:creationId xmlns:a16="http://schemas.microsoft.com/office/drawing/2014/main" id="{FB7E5C04-19A0-4D08-BC9B-4B6DAD46CC62}"/>
+              </a:ext>
+            </a:extLst>
+          </p:cNvPr>
+          <p:cNvSpPr txBox="1"/>
+          <p:nvPr/>
+        </p:nvSpPr>
+        <p:spPr>
+          <a:xfrm>
+            <a:off x="2380695" y="2929605"/>
+            <a:ext cx="362600" cy="461665"/>
+          </a:xfrm>
+          <a:prstGeom prst="rect">
+            <a:avLst/>
+          </a:prstGeom>
+          <a:noFill/>
+        </p:spPr>
+        <p:txBody>
+          <a:bodyPr wrap="none" rtlCol="0">
+            <a:spAutoFit/>
+          </a:bodyPr>
+          <a:lstStyle/>
+          <a:p>
+            <a:r>
+              <a:rPr lang="en-US" sz="2400" dirty="0">
+                <a:solidFill>
+                  <a:schemeClr val="accent1"/>
+                </a:solidFill>
+              </a:rPr>
+              <a:t>B</a:t>
+            </a:r>
+          </a:p>
+        </p:txBody>
+      </p:sp>
+      <p:sp>
+        <p:nvSpPr>
+          <p:cNvPr id="22" name="TextBox 21">
+            <a:extLst>
+              <a:ext uri="{FF2B5EF4-FFF2-40B4-BE49-F238E27FC236}">
+                <a16:creationId xmlns:a16="http://schemas.microsoft.com/office/drawing/2014/main" id="{AEF80B37-B478-4B62-8082-7EBCD5AA4F4E}"/>
+              </a:ext>
+            </a:extLst>
+          </p:cNvPr>
+          <p:cNvSpPr txBox="1"/>
+          <p:nvPr/>
+        </p:nvSpPr>
+        <p:spPr>
+          <a:xfrm>
+            <a:off x="381000" y="4563857"/>
+            <a:ext cx="348172" cy="461665"/>
+          </a:xfrm>
+          <a:prstGeom prst="rect">
+            <a:avLst/>
+          </a:prstGeom>
+          <a:noFill/>
+        </p:spPr>
+        <p:txBody>
+          <a:bodyPr wrap="none" rtlCol="0">
+            <a:spAutoFit/>
+          </a:bodyPr>
+          <a:lstStyle/>
+          <a:p>
+            <a:r>
+              <a:rPr lang="en-US" sz="2400" dirty="0">
+                <a:solidFill>
+                  <a:schemeClr val="accent1"/>
+                </a:solidFill>
+              </a:rPr>
+              <a:t>C</a:t>
+            </a:r>
+          </a:p>
+        </p:txBody>
+      </p:sp>
+      <p:sp>
+        <p:nvSpPr>
+          <p:cNvPr id="23" name="TextBox 22">
+            <a:extLst>
+              <a:ext uri="{FF2B5EF4-FFF2-40B4-BE49-F238E27FC236}">
+                <a16:creationId xmlns:a16="http://schemas.microsoft.com/office/drawing/2014/main" id="{D2CFDCCD-1BBA-4081-8B21-CE565F215A04}"/>
+              </a:ext>
+            </a:extLst>
+          </p:cNvPr>
+          <p:cNvSpPr txBox="1"/>
+          <p:nvPr/>
+        </p:nvSpPr>
+        <p:spPr>
+          <a:xfrm>
+            <a:off x="2333300" y="4531765"/>
+            <a:ext cx="373820" cy="461665"/>
+          </a:xfrm>
+          <a:prstGeom prst="rect">
+            <a:avLst/>
+          </a:prstGeom>
+          <a:noFill/>
+        </p:spPr>
+        <p:txBody>
+          <a:bodyPr wrap="none" rtlCol="0">
+            <a:spAutoFit/>
+          </a:bodyPr>
+          <a:lstStyle/>
+          <a:p>
+            <a:r>
+              <a:rPr lang="en-US" sz="2400" dirty="0">
+                <a:solidFill>
+                  <a:schemeClr val="accent1"/>
+                </a:solidFill>
+              </a:rPr>
+              <a:t>D</a:t>
+            </a:r>
+          </a:p>
+        </p:txBody>
+      </p:sp>
+      <p:sp>
+        <p:nvSpPr>
+          <p:cNvPr id="24" name="TextBox 23">
+            <a:extLst>
+              <a:ext uri="{FF2B5EF4-FFF2-40B4-BE49-F238E27FC236}">
+                <a16:creationId xmlns:a16="http://schemas.microsoft.com/office/drawing/2014/main" id="{410FD537-0F68-4BC6-B780-C8F672F07204}"/>
+              </a:ext>
+            </a:extLst>
+          </p:cNvPr>
+          <p:cNvSpPr txBox="1"/>
+          <p:nvPr/>
+        </p:nvSpPr>
+        <p:spPr>
+          <a:xfrm>
+            <a:off x="4953000" y="5618835"/>
+            <a:ext cx="3886200" cy="984885"/>
+          </a:xfrm>
+          <a:prstGeom prst="rect">
+            <a:avLst/>
+          </a:prstGeom>
+          <a:noFill/>
+        </p:spPr>
+        <p:txBody>
+          <a:bodyPr wrap="square" rtlCol="0">
+            <a:spAutoFit/>
+          </a:bodyPr>
+          <a:lstStyle/>
+          <a:p>
+            <a:r>
+              <a:rPr lang="en-US" sz="1600" b="1" dirty="0">
+                <a:solidFill>
+                  <a:schemeClr val="accent1"/>
+                </a:solidFill>
+                <a:latin typeface="Calibri Light" panose="020F0302020204030204" pitchFamily="34" charset="0"/>
+                <a:cs typeface="Calibri Light" panose="020F0302020204030204" pitchFamily="34" charset="0"/>
+              </a:rPr>
+              <a:t>B: </a:t>
+            </a:r>
+            <a:r>
+              <a:rPr lang="en-US" sz="1400" dirty="0">
+                <a:latin typeface="Calibri Light" panose="020F0302020204030204" pitchFamily="34" charset="0"/>
+                <a:cs typeface="Calibri Light" panose="020F0302020204030204" pitchFamily="34" charset="0"/>
+              </a:rPr>
+              <a:t>The competing hypotheses X2 helps isolate the independent contributions that X1, but the lack of the uncorrelated control variable X3 results in large standard errors. </a:t>
+            </a:r>
+          </a:p>
+        </p:txBody>
+      </p:sp>
     </p:spTree>
     <p:extLst>
       <p:ext uri="{BB962C8B-B14F-4D97-AF65-F5344CB8AC3E}">
@@ -11311,6 +11515,210 @@
           </p:sp>
         </mc:Fallback>
       </mc:AlternateContent>
+      <p:sp>
+        <p:nvSpPr>
+          <p:cNvPr id="21" name="TextBox 20">
+            <a:extLst>
+              <a:ext uri="{FF2B5EF4-FFF2-40B4-BE49-F238E27FC236}">
+                <a16:creationId xmlns:a16="http://schemas.microsoft.com/office/drawing/2014/main" id="{3F94D929-A506-443D-B886-1ACA2EC7A4E7}"/>
+              </a:ext>
+            </a:extLst>
+          </p:cNvPr>
+          <p:cNvSpPr txBox="1"/>
+          <p:nvPr/>
+        </p:nvSpPr>
+        <p:spPr>
+          <a:xfrm>
+            <a:off x="381000" y="2921168"/>
+            <a:ext cx="362600" cy="461665"/>
+          </a:xfrm>
+          <a:prstGeom prst="rect">
+            <a:avLst/>
+          </a:prstGeom>
+          <a:noFill/>
+        </p:spPr>
+        <p:txBody>
+          <a:bodyPr wrap="none" rtlCol="0">
+            <a:spAutoFit/>
+          </a:bodyPr>
+          <a:lstStyle/>
+          <a:p>
+            <a:r>
+              <a:rPr lang="en-US" sz="2400" dirty="0">
+                <a:solidFill>
+                  <a:schemeClr val="accent1"/>
+                </a:solidFill>
+              </a:rPr>
+              <a:t>A</a:t>
+            </a:r>
+          </a:p>
+        </p:txBody>
+      </p:sp>
+      <p:sp>
+        <p:nvSpPr>
+          <p:cNvPr id="22" name="TextBox 21">
+            <a:extLst>
+              <a:ext uri="{FF2B5EF4-FFF2-40B4-BE49-F238E27FC236}">
+                <a16:creationId xmlns:a16="http://schemas.microsoft.com/office/drawing/2014/main" id="{6D57EE9D-0E95-468B-8094-14AAC0ACB294}"/>
+              </a:ext>
+            </a:extLst>
+          </p:cNvPr>
+          <p:cNvSpPr txBox="1"/>
+          <p:nvPr/>
+        </p:nvSpPr>
+        <p:spPr>
+          <a:xfrm>
+            <a:off x="2380695" y="2929605"/>
+            <a:ext cx="362600" cy="461665"/>
+          </a:xfrm>
+          <a:prstGeom prst="rect">
+            <a:avLst/>
+          </a:prstGeom>
+          <a:noFill/>
+        </p:spPr>
+        <p:txBody>
+          <a:bodyPr wrap="none" rtlCol="0">
+            <a:spAutoFit/>
+          </a:bodyPr>
+          <a:lstStyle/>
+          <a:p>
+            <a:r>
+              <a:rPr lang="en-US" sz="2400" dirty="0">
+                <a:solidFill>
+                  <a:schemeClr val="accent1"/>
+                </a:solidFill>
+              </a:rPr>
+              <a:t>B</a:t>
+            </a:r>
+          </a:p>
+        </p:txBody>
+      </p:sp>
+      <p:sp>
+        <p:nvSpPr>
+          <p:cNvPr id="23" name="TextBox 22">
+            <a:extLst>
+              <a:ext uri="{FF2B5EF4-FFF2-40B4-BE49-F238E27FC236}">
+                <a16:creationId xmlns:a16="http://schemas.microsoft.com/office/drawing/2014/main" id="{A9C2D452-F50A-445D-AFE4-E23655EBCFDC}"/>
+              </a:ext>
+            </a:extLst>
+          </p:cNvPr>
+          <p:cNvSpPr txBox="1"/>
+          <p:nvPr/>
+        </p:nvSpPr>
+        <p:spPr>
+          <a:xfrm>
+            <a:off x="381000" y="4563857"/>
+            <a:ext cx="348172" cy="461665"/>
+          </a:xfrm>
+          <a:prstGeom prst="rect">
+            <a:avLst/>
+          </a:prstGeom>
+          <a:noFill/>
+        </p:spPr>
+        <p:txBody>
+          <a:bodyPr wrap="none" rtlCol="0">
+            <a:spAutoFit/>
+          </a:bodyPr>
+          <a:lstStyle/>
+          <a:p>
+            <a:r>
+              <a:rPr lang="en-US" sz="2400" dirty="0">
+                <a:solidFill>
+                  <a:schemeClr val="accent1"/>
+                </a:solidFill>
+              </a:rPr>
+              <a:t>C</a:t>
+            </a:r>
+          </a:p>
+        </p:txBody>
+      </p:sp>
+      <p:sp>
+        <p:nvSpPr>
+          <p:cNvPr id="24" name="TextBox 23">
+            <a:extLst>
+              <a:ext uri="{FF2B5EF4-FFF2-40B4-BE49-F238E27FC236}">
+                <a16:creationId xmlns:a16="http://schemas.microsoft.com/office/drawing/2014/main" id="{1CA4653F-C622-402F-A573-AD31A46917EB}"/>
+              </a:ext>
+            </a:extLst>
+          </p:cNvPr>
+          <p:cNvSpPr txBox="1"/>
+          <p:nvPr/>
+        </p:nvSpPr>
+        <p:spPr>
+          <a:xfrm>
+            <a:off x="2333300" y="4531765"/>
+            <a:ext cx="373820" cy="461665"/>
+          </a:xfrm>
+          <a:prstGeom prst="rect">
+            <a:avLst/>
+          </a:prstGeom>
+          <a:noFill/>
+        </p:spPr>
+        <p:txBody>
+          <a:bodyPr wrap="none" rtlCol="0">
+            <a:spAutoFit/>
+          </a:bodyPr>
+          <a:lstStyle/>
+          <a:p>
+            <a:r>
+              <a:rPr lang="en-US" sz="2400" dirty="0">
+                <a:solidFill>
+                  <a:schemeClr val="accent1"/>
+                </a:solidFill>
+              </a:rPr>
+              <a:t>D</a:t>
+            </a:r>
+          </a:p>
+        </p:txBody>
+      </p:sp>
+      <p:sp>
+        <p:nvSpPr>
+          <p:cNvPr id="25" name="TextBox 24">
+            <a:extLst>
+              <a:ext uri="{FF2B5EF4-FFF2-40B4-BE49-F238E27FC236}">
+                <a16:creationId xmlns:a16="http://schemas.microsoft.com/office/drawing/2014/main" id="{2B05B4E8-2936-4536-9F3C-DB14C47D66A4}"/>
+              </a:ext>
+            </a:extLst>
+          </p:cNvPr>
+          <p:cNvSpPr txBox="1"/>
+          <p:nvPr/>
+        </p:nvSpPr>
+        <p:spPr>
+          <a:xfrm>
+            <a:off x="4953000" y="5618835"/>
+            <a:ext cx="3886200" cy="984885"/>
+          </a:xfrm>
+          <a:prstGeom prst="rect">
+            <a:avLst/>
+          </a:prstGeom>
+          <a:noFill/>
+        </p:spPr>
+        <p:txBody>
+          <a:bodyPr wrap="square" rtlCol="0">
+            <a:spAutoFit/>
+          </a:bodyPr>
+          <a:lstStyle/>
+          <a:p>
+            <a:r>
+              <a:rPr lang="en-US" sz="1600" b="1" dirty="0">
+                <a:solidFill>
+                  <a:schemeClr val="accent1"/>
+                </a:solidFill>
+                <a:latin typeface="Calibri Light" panose="020F0302020204030204" pitchFamily="34" charset="0"/>
+                <a:cs typeface="Calibri Light" panose="020F0302020204030204" pitchFamily="34" charset="0"/>
+              </a:rPr>
+              <a:t>C: </a:t>
+            </a:r>
+            <a:r>
+              <a:rPr lang="en-US" sz="1400" dirty="0">
+                <a:latin typeface="Calibri Light" panose="020F0302020204030204" pitchFamily="34" charset="0"/>
+                <a:cs typeface="Calibri Light" panose="020F0302020204030204" pitchFamily="34" charset="0"/>
+              </a:rPr>
+              <a:t>This is a complicated case because the uncorrelated control results in small standard error, which can give false confidence when the absence of X2 results in omitted variable bias. </a:t>
+            </a:r>
+          </a:p>
+        </p:txBody>
+      </p:sp>
     </p:spTree>
     <p:extLst>
       <p:ext uri="{BB962C8B-B14F-4D97-AF65-F5344CB8AC3E}">
@@ -12020,6 +12428,210 @@
           </p:sp>
         </mc:Fallback>
       </mc:AlternateContent>
+      <p:sp>
+        <p:nvSpPr>
+          <p:cNvPr id="17" name="TextBox 16">
+            <a:extLst>
+              <a:ext uri="{FF2B5EF4-FFF2-40B4-BE49-F238E27FC236}">
+                <a16:creationId xmlns:a16="http://schemas.microsoft.com/office/drawing/2014/main" id="{852C9308-4A61-478A-ADC9-073DF21A2E6D}"/>
+              </a:ext>
+            </a:extLst>
+          </p:cNvPr>
+          <p:cNvSpPr txBox="1"/>
+          <p:nvPr/>
+        </p:nvSpPr>
+        <p:spPr>
+          <a:xfrm>
+            <a:off x="381000" y="2921168"/>
+            <a:ext cx="362600" cy="461665"/>
+          </a:xfrm>
+          <a:prstGeom prst="rect">
+            <a:avLst/>
+          </a:prstGeom>
+          <a:noFill/>
+        </p:spPr>
+        <p:txBody>
+          <a:bodyPr wrap="none" rtlCol="0">
+            <a:spAutoFit/>
+          </a:bodyPr>
+          <a:lstStyle/>
+          <a:p>
+            <a:r>
+              <a:rPr lang="en-US" sz="2400" dirty="0">
+                <a:solidFill>
+                  <a:schemeClr val="accent1"/>
+                </a:solidFill>
+              </a:rPr>
+              <a:t>A</a:t>
+            </a:r>
+          </a:p>
+        </p:txBody>
+      </p:sp>
+      <p:sp>
+        <p:nvSpPr>
+          <p:cNvPr id="19" name="TextBox 18">
+            <a:extLst>
+              <a:ext uri="{FF2B5EF4-FFF2-40B4-BE49-F238E27FC236}">
+                <a16:creationId xmlns:a16="http://schemas.microsoft.com/office/drawing/2014/main" id="{6E354213-BE27-42AD-A9EC-CE2C14829285}"/>
+              </a:ext>
+            </a:extLst>
+          </p:cNvPr>
+          <p:cNvSpPr txBox="1"/>
+          <p:nvPr/>
+        </p:nvSpPr>
+        <p:spPr>
+          <a:xfrm>
+            <a:off x="2380695" y="2929605"/>
+            <a:ext cx="362600" cy="461665"/>
+          </a:xfrm>
+          <a:prstGeom prst="rect">
+            <a:avLst/>
+          </a:prstGeom>
+          <a:noFill/>
+        </p:spPr>
+        <p:txBody>
+          <a:bodyPr wrap="none" rtlCol="0">
+            <a:spAutoFit/>
+          </a:bodyPr>
+          <a:lstStyle/>
+          <a:p>
+            <a:r>
+              <a:rPr lang="en-US" sz="2400" dirty="0">
+                <a:solidFill>
+                  <a:schemeClr val="accent1"/>
+                </a:solidFill>
+              </a:rPr>
+              <a:t>B</a:t>
+            </a:r>
+          </a:p>
+        </p:txBody>
+      </p:sp>
+      <p:sp>
+        <p:nvSpPr>
+          <p:cNvPr id="20" name="TextBox 19">
+            <a:extLst>
+              <a:ext uri="{FF2B5EF4-FFF2-40B4-BE49-F238E27FC236}">
+                <a16:creationId xmlns:a16="http://schemas.microsoft.com/office/drawing/2014/main" id="{27D93890-1319-4A28-8AF1-AB9A9A1F63DD}"/>
+              </a:ext>
+            </a:extLst>
+          </p:cNvPr>
+          <p:cNvSpPr txBox="1"/>
+          <p:nvPr/>
+        </p:nvSpPr>
+        <p:spPr>
+          <a:xfrm>
+            <a:off x="381000" y="4563857"/>
+            <a:ext cx="348172" cy="461665"/>
+          </a:xfrm>
+          <a:prstGeom prst="rect">
+            <a:avLst/>
+          </a:prstGeom>
+          <a:noFill/>
+        </p:spPr>
+        <p:txBody>
+          <a:bodyPr wrap="none" rtlCol="0">
+            <a:spAutoFit/>
+          </a:bodyPr>
+          <a:lstStyle/>
+          <a:p>
+            <a:r>
+              <a:rPr lang="en-US" sz="2400" dirty="0">
+                <a:solidFill>
+                  <a:schemeClr val="accent1"/>
+                </a:solidFill>
+              </a:rPr>
+              <a:t>C</a:t>
+            </a:r>
+          </a:p>
+        </p:txBody>
+      </p:sp>
+      <p:sp>
+        <p:nvSpPr>
+          <p:cNvPr id="21" name="TextBox 20">
+            <a:extLst>
+              <a:ext uri="{FF2B5EF4-FFF2-40B4-BE49-F238E27FC236}">
+                <a16:creationId xmlns:a16="http://schemas.microsoft.com/office/drawing/2014/main" id="{ED7B152C-AF10-467F-B925-9F49F1B32709}"/>
+              </a:ext>
+            </a:extLst>
+          </p:cNvPr>
+          <p:cNvSpPr txBox="1"/>
+          <p:nvPr/>
+        </p:nvSpPr>
+        <p:spPr>
+          <a:xfrm>
+            <a:off x="2333300" y="4531765"/>
+            <a:ext cx="373820" cy="461665"/>
+          </a:xfrm>
+          <a:prstGeom prst="rect">
+            <a:avLst/>
+          </a:prstGeom>
+          <a:noFill/>
+        </p:spPr>
+        <p:txBody>
+          <a:bodyPr wrap="none" rtlCol="0">
+            <a:spAutoFit/>
+          </a:bodyPr>
+          <a:lstStyle/>
+          <a:p>
+            <a:r>
+              <a:rPr lang="en-US" sz="2400" dirty="0">
+                <a:solidFill>
+                  <a:schemeClr val="accent1"/>
+                </a:solidFill>
+              </a:rPr>
+              <a:t>D</a:t>
+            </a:r>
+          </a:p>
+        </p:txBody>
+      </p:sp>
+      <p:sp>
+        <p:nvSpPr>
+          <p:cNvPr id="22" name="TextBox 21">
+            <a:extLst>
+              <a:ext uri="{FF2B5EF4-FFF2-40B4-BE49-F238E27FC236}">
+                <a16:creationId xmlns:a16="http://schemas.microsoft.com/office/drawing/2014/main" id="{0BA16565-F933-4F44-A42E-46C30126406A}"/>
+              </a:ext>
+            </a:extLst>
+          </p:cNvPr>
+          <p:cNvSpPr txBox="1"/>
+          <p:nvPr/>
+        </p:nvSpPr>
+        <p:spPr>
+          <a:xfrm>
+            <a:off x="4953000" y="5618835"/>
+            <a:ext cx="3886200" cy="984885"/>
+          </a:xfrm>
+          <a:prstGeom prst="rect">
+            <a:avLst/>
+          </a:prstGeom>
+          <a:noFill/>
+        </p:spPr>
+        <p:txBody>
+          <a:bodyPr wrap="square" rtlCol="0">
+            <a:spAutoFit/>
+          </a:bodyPr>
+          <a:lstStyle/>
+          <a:p>
+            <a:r>
+              <a:rPr lang="en-US" sz="1600" b="1" dirty="0">
+                <a:solidFill>
+                  <a:schemeClr val="accent1"/>
+                </a:solidFill>
+                <a:latin typeface="Calibri Light" panose="020F0302020204030204" pitchFamily="34" charset="0"/>
+                <a:cs typeface="Calibri Light" panose="020F0302020204030204" pitchFamily="34" charset="0"/>
+              </a:rPr>
+              <a:t>D: </a:t>
+            </a:r>
+            <a:r>
+              <a:rPr lang="en-US" sz="1400" dirty="0">
+                <a:latin typeface="Calibri Light" panose="020F0302020204030204" pitchFamily="34" charset="0"/>
+                <a:cs typeface="Calibri Light" panose="020F0302020204030204" pitchFamily="34" charset="0"/>
+              </a:rPr>
+              <a:t>The absence of an important competing hypotheses (omitted variable X2) results in biased slopes, and the lack of beneficial controls leads to large standard errors. </a:t>
+            </a:r>
+          </a:p>
+        </p:txBody>
+      </p:sp>
     </p:spTree>
     <p:extLst>
       <p:ext uri="{BB962C8B-B14F-4D97-AF65-F5344CB8AC3E}">
@@ -12991,6 +13603,210 @@
           </p:sp>
         </mc:Fallback>
       </mc:AlternateContent>
+      <p:sp>
+        <p:nvSpPr>
+          <p:cNvPr id="23" name="TextBox 22">
+            <a:extLst>
+              <a:ext uri="{FF2B5EF4-FFF2-40B4-BE49-F238E27FC236}">
+                <a16:creationId xmlns:a16="http://schemas.microsoft.com/office/drawing/2014/main" id="{A45C4056-60C1-49B2-9A13-0BEB82B3017F}"/>
+              </a:ext>
+            </a:extLst>
+          </p:cNvPr>
+          <p:cNvSpPr txBox="1"/>
+          <p:nvPr/>
+        </p:nvSpPr>
+        <p:spPr>
+          <a:xfrm>
+            <a:off x="381000" y="2921168"/>
+            <a:ext cx="362600" cy="461665"/>
+          </a:xfrm>
+          <a:prstGeom prst="rect">
+            <a:avLst/>
+          </a:prstGeom>
+          <a:noFill/>
+        </p:spPr>
+        <p:txBody>
+          <a:bodyPr wrap="none" rtlCol="0">
+            <a:spAutoFit/>
+          </a:bodyPr>
+          <a:lstStyle/>
+          <a:p>
+            <a:r>
+              <a:rPr lang="en-US" sz="2400" dirty="0">
+                <a:solidFill>
+                  <a:schemeClr val="accent1"/>
+                </a:solidFill>
+              </a:rPr>
+              <a:t>A</a:t>
+            </a:r>
+          </a:p>
+        </p:txBody>
+      </p:sp>
+      <p:sp>
+        <p:nvSpPr>
+          <p:cNvPr id="24" name="TextBox 23">
+            <a:extLst>
+              <a:ext uri="{FF2B5EF4-FFF2-40B4-BE49-F238E27FC236}">
+                <a16:creationId xmlns:a16="http://schemas.microsoft.com/office/drawing/2014/main" id="{47C7D1D3-EA56-4E75-BE35-8B5B8391DE3F}"/>
+              </a:ext>
+            </a:extLst>
+          </p:cNvPr>
+          <p:cNvSpPr txBox="1"/>
+          <p:nvPr/>
+        </p:nvSpPr>
+        <p:spPr>
+          <a:xfrm>
+            <a:off x="2380695" y="2929605"/>
+            <a:ext cx="362600" cy="461665"/>
+          </a:xfrm>
+          <a:prstGeom prst="rect">
+            <a:avLst/>
+          </a:prstGeom>
+          <a:noFill/>
+        </p:spPr>
+        <p:txBody>
+          <a:bodyPr wrap="none" rtlCol="0">
+            <a:spAutoFit/>
+          </a:bodyPr>
+          <a:lstStyle/>
+          <a:p>
+            <a:r>
+              <a:rPr lang="en-US" sz="2400" dirty="0">
+                <a:solidFill>
+                  <a:schemeClr val="accent1"/>
+                </a:solidFill>
+              </a:rPr>
+              <a:t>B</a:t>
+            </a:r>
+          </a:p>
+        </p:txBody>
+      </p:sp>
+      <p:sp>
+        <p:nvSpPr>
+          <p:cNvPr id="25" name="TextBox 24">
+            <a:extLst>
+              <a:ext uri="{FF2B5EF4-FFF2-40B4-BE49-F238E27FC236}">
+                <a16:creationId xmlns:a16="http://schemas.microsoft.com/office/drawing/2014/main" id="{46B5AC18-E89A-4E34-B82E-F11993678E4D}"/>
+              </a:ext>
+            </a:extLst>
+          </p:cNvPr>
+          <p:cNvSpPr txBox="1"/>
+          <p:nvPr/>
+        </p:nvSpPr>
+        <p:spPr>
+          <a:xfrm>
+            <a:off x="381000" y="4563857"/>
+            <a:ext cx="348172" cy="461665"/>
+          </a:xfrm>
+          <a:prstGeom prst="rect">
+            <a:avLst/>
+          </a:prstGeom>
+          <a:noFill/>
+        </p:spPr>
+        <p:txBody>
+          <a:bodyPr wrap="none" rtlCol="0">
+            <a:spAutoFit/>
+          </a:bodyPr>
+          <a:lstStyle/>
+          <a:p>
+            <a:r>
+              <a:rPr lang="en-US" sz="2400" dirty="0">
+                <a:solidFill>
+                  <a:schemeClr val="accent1"/>
+                </a:solidFill>
+              </a:rPr>
+              <a:t>C</a:t>
+            </a:r>
+          </a:p>
+        </p:txBody>
+      </p:sp>
+      <p:sp>
+        <p:nvSpPr>
+          <p:cNvPr id="26" name="TextBox 25">
+            <a:extLst>
+              <a:ext uri="{FF2B5EF4-FFF2-40B4-BE49-F238E27FC236}">
+                <a16:creationId xmlns:a16="http://schemas.microsoft.com/office/drawing/2014/main" id="{290C0009-EE29-4F6E-92A7-282EEC462069}"/>
+              </a:ext>
+            </a:extLst>
+          </p:cNvPr>
+          <p:cNvSpPr txBox="1"/>
+          <p:nvPr/>
+        </p:nvSpPr>
+        <p:spPr>
+          <a:xfrm>
+            <a:off x="2333300" y="4531765"/>
+            <a:ext cx="373820" cy="461665"/>
+          </a:xfrm>
+          <a:prstGeom prst="rect">
+            <a:avLst/>
+          </a:prstGeom>
+          <a:noFill/>
+        </p:spPr>
+        <p:txBody>
+          <a:bodyPr wrap="none" rtlCol="0">
+            <a:spAutoFit/>
+          </a:bodyPr>
+          <a:lstStyle/>
+          <a:p>
+            <a:r>
+              <a:rPr lang="en-US" sz="2400" dirty="0">
+                <a:solidFill>
+                  <a:schemeClr val="accent1"/>
+                </a:solidFill>
+              </a:rPr>
+              <a:t>D</a:t>
+            </a:r>
+          </a:p>
+        </p:txBody>
+      </p:sp>
+      <p:sp>
+        <p:nvSpPr>
+          <p:cNvPr id="2" name="TextBox 1">
+            <a:extLst>
+              <a:ext uri="{FF2B5EF4-FFF2-40B4-BE49-F238E27FC236}">
+                <a16:creationId xmlns:a16="http://schemas.microsoft.com/office/drawing/2014/main" id="{A4158FE9-FBC2-4404-B60D-C48CB2CD1ECB}"/>
+              </a:ext>
+            </a:extLst>
+          </p:cNvPr>
+          <p:cNvSpPr txBox="1"/>
+          <p:nvPr/>
+        </p:nvSpPr>
+        <p:spPr>
+          <a:xfrm>
+            <a:off x="4953000" y="5618835"/>
+            <a:ext cx="3886200" cy="984885"/>
+          </a:xfrm>
+          <a:prstGeom prst="rect">
+            <a:avLst/>
+          </a:prstGeom>
+          <a:noFill/>
+        </p:spPr>
+        <p:txBody>
+          <a:bodyPr wrap="square" rtlCol="0">
+            <a:spAutoFit/>
+          </a:bodyPr>
+          <a:lstStyle/>
+          <a:p>
+            <a:r>
+              <a:rPr lang="en-US" sz="1600" b="1" dirty="0">
+                <a:solidFill>
+                  <a:schemeClr val="accent1"/>
+                </a:solidFill>
+                <a:latin typeface="Calibri Light" panose="020F0302020204030204" pitchFamily="34" charset="0"/>
+                <a:cs typeface="Calibri Light" panose="020F0302020204030204" pitchFamily="34" charset="0"/>
+              </a:rPr>
+              <a:t>A: </a:t>
+            </a:r>
+            <a:r>
+              <a:rPr lang="en-US" sz="1400" dirty="0">
+                <a:latin typeface="Calibri Light" panose="020F0302020204030204" pitchFamily="34" charset="0"/>
+                <a:cs typeface="Calibri Light" panose="020F0302020204030204" pitchFamily="34" charset="0"/>
+              </a:rPr>
+              <a:t>The competing hypotheses X2 helps isolate the independent contributions that X1 makes to the outcome, and the unrelated variable X3 reduces standard errors. </a:t>
+            </a:r>
+          </a:p>
+        </p:txBody>
+      </p:sp>
     </p:spTree>
     <p:extLst>
       <p:ext uri="{BB962C8B-B14F-4D97-AF65-F5344CB8AC3E}">
@@ -14501,6 +15317,162 @@
           </a:p>
         </p:txBody>
       </p:sp>
+      <p:sp>
+        <p:nvSpPr>
+          <p:cNvPr id="43" name="TextBox 42">
+            <a:extLst>
+              <a:ext uri="{FF2B5EF4-FFF2-40B4-BE49-F238E27FC236}">
+                <a16:creationId xmlns:a16="http://schemas.microsoft.com/office/drawing/2014/main" id="{932177F2-BA06-4614-A134-2E2BFCD5632E}"/>
+              </a:ext>
+            </a:extLst>
+          </p:cNvPr>
+          <p:cNvSpPr txBox="1"/>
+          <p:nvPr/>
+        </p:nvSpPr>
+        <p:spPr>
+          <a:xfrm>
+            <a:off x="5494045" y="6216790"/>
+            <a:ext cx="362600" cy="461665"/>
+          </a:xfrm>
+          <a:prstGeom prst="rect">
+            <a:avLst/>
+          </a:prstGeom>
+          <a:noFill/>
+        </p:spPr>
+        <p:txBody>
+          <a:bodyPr wrap="none" rtlCol="0">
+            <a:spAutoFit/>
+          </a:bodyPr>
+          <a:lstStyle/>
+          <a:p>
+            <a:r>
+              <a:rPr lang="en-US" sz="2400" dirty="0">
+                <a:solidFill>
+                  <a:schemeClr val="accent1"/>
+                </a:solidFill>
+              </a:rPr>
+              <a:t>A</a:t>
+            </a:r>
+          </a:p>
+        </p:txBody>
+      </p:sp>
+      <p:sp>
+        <p:nvSpPr>
+          <p:cNvPr id="44" name="TextBox 43">
+            <a:extLst>
+              <a:ext uri="{FF2B5EF4-FFF2-40B4-BE49-F238E27FC236}">
+                <a16:creationId xmlns:a16="http://schemas.microsoft.com/office/drawing/2014/main" id="{EC68D3B5-0720-4189-9614-72A883D7D694}"/>
+              </a:ext>
+            </a:extLst>
+          </p:cNvPr>
+          <p:cNvSpPr txBox="1"/>
+          <p:nvPr/>
+        </p:nvSpPr>
+        <p:spPr>
+          <a:xfrm>
+            <a:off x="5461412" y="3479568"/>
+            <a:ext cx="362600" cy="461665"/>
+          </a:xfrm>
+          <a:prstGeom prst="rect">
+            <a:avLst/>
+          </a:prstGeom>
+          <a:noFill/>
+        </p:spPr>
+        <p:txBody>
+          <a:bodyPr wrap="none" rtlCol="0">
+            <a:spAutoFit/>
+          </a:bodyPr>
+          <a:lstStyle/>
+          <a:p>
+            <a:r>
+              <a:rPr lang="en-US" sz="2400" dirty="0">
+                <a:solidFill>
+                  <a:schemeClr val="accent1"/>
+                </a:solidFill>
+              </a:rPr>
+              <a:t>B</a:t>
+            </a:r>
+          </a:p>
+        </p:txBody>
+      </p:sp>
+      <p:sp>
+        <p:nvSpPr>
+          <p:cNvPr id="45" name="TextBox 44">
+            <a:extLst>
+              <a:ext uri="{FF2B5EF4-FFF2-40B4-BE49-F238E27FC236}">
+                <a16:creationId xmlns:a16="http://schemas.microsoft.com/office/drawing/2014/main" id="{F146D84B-FFFA-4757-8E70-D14E8C53869B}"/>
+              </a:ext>
+            </a:extLst>
+          </p:cNvPr>
+          <p:cNvSpPr txBox="1"/>
+          <p:nvPr/>
+        </p:nvSpPr>
+        <p:spPr>
+          <a:xfrm>
+            <a:off x="7608022" y="3479568"/>
+            <a:ext cx="348172" cy="461665"/>
+          </a:xfrm>
+          <a:prstGeom prst="rect">
+            <a:avLst/>
+          </a:prstGeom>
+          <a:noFill/>
+        </p:spPr>
+        <p:txBody>
+          <a:bodyPr wrap="none" rtlCol="0">
+            <a:spAutoFit/>
+          </a:bodyPr>
+          <a:lstStyle/>
+          <a:p>
+            <a:r>
+              <a:rPr lang="en-US" sz="2400" dirty="0">
+                <a:solidFill>
+                  <a:schemeClr val="accent1"/>
+                </a:solidFill>
+              </a:rPr>
+              <a:t>C</a:t>
+            </a:r>
+          </a:p>
+        </p:txBody>
+      </p:sp>
+      <p:sp>
+        <p:nvSpPr>
+          <p:cNvPr id="46" name="TextBox 45">
+            <a:extLst>
+              <a:ext uri="{FF2B5EF4-FFF2-40B4-BE49-F238E27FC236}">
+                <a16:creationId xmlns:a16="http://schemas.microsoft.com/office/drawing/2014/main" id="{6B519877-9970-444E-A72E-FD2D3064C232}"/>
+              </a:ext>
+            </a:extLst>
+          </p:cNvPr>
+          <p:cNvSpPr txBox="1"/>
+          <p:nvPr/>
+        </p:nvSpPr>
+        <p:spPr>
+          <a:xfrm>
+            <a:off x="7674389" y="6208091"/>
+            <a:ext cx="373820" cy="461665"/>
+          </a:xfrm>
+          <a:prstGeom prst="rect">
+            <a:avLst/>
+          </a:prstGeom>
+          <a:noFill/>
+        </p:spPr>
+        <p:txBody>
+          <a:bodyPr wrap="none" rtlCol="0">
+            <a:spAutoFit/>
+          </a:bodyPr>
+          <a:lstStyle/>
+          <a:p>
+            <a:r>
+              <a:rPr lang="en-US" sz="2400" dirty="0">
+                <a:solidFill>
+                  <a:schemeClr val="accent1"/>
+                </a:solidFill>
+              </a:rPr>
+              <a:t>D</a:t>
+            </a:r>
+          </a:p>
+        </p:txBody>
+      </p:sp>
     </p:spTree>
     <p:extLst>
       <p:ext uri="{BB962C8B-B14F-4D97-AF65-F5344CB8AC3E}">

--- a/lectures/taxonomy-of-control-variables.pptx
+++ b/lectures/taxonomy-of-control-variables.pptx
@@ -15,6 +15,7 @@
     <p:sldId id="263" r:id="rId9"/>
     <p:sldId id="262" r:id="rId10"/>
     <p:sldId id="258" r:id="rId11"/>
+    <p:sldId id="268" r:id="rId12"/>
   </p:sldIdLst>
   <p:sldSz cx="9144000" cy="6858000" type="screen4x3"/>
   <p:notesSz cx="6858000" cy="9144000"/>
@@ -312,7 +313,7 @@
             <a:fld id="{E81BFD8A-449E-480A-A71C-0B0F07D675E6}" type="datetimeFigureOut">
               <a:rPr lang="en-US" smtClean="0"/>
               <a:pPr/>
-              <a:t>10/1/2019</a:t>
+              <a:t>10/4/2019</a:t>
             </a:fld>
             <a:endParaRPr lang="en-US"/>
           </a:p>
@@ -482,7 +483,7 @@
             <a:fld id="{E81BFD8A-449E-480A-A71C-0B0F07D675E6}" type="datetimeFigureOut">
               <a:rPr lang="en-US" smtClean="0"/>
               <a:pPr/>
-              <a:t>10/1/2019</a:t>
+              <a:t>10/4/2019</a:t>
             </a:fld>
             <a:endParaRPr lang="en-US"/>
           </a:p>
@@ -662,7 +663,7 @@
             <a:fld id="{E81BFD8A-449E-480A-A71C-0B0F07D675E6}" type="datetimeFigureOut">
               <a:rPr lang="en-US" smtClean="0"/>
               <a:pPr/>
-              <a:t>10/1/2019</a:t>
+              <a:t>10/4/2019</a:t>
             </a:fld>
             <a:endParaRPr lang="en-US"/>
           </a:p>
@@ -832,7 +833,7 @@
             <a:fld id="{E81BFD8A-449E-480A-A71C-0B0F07D675E6}" type="datetimeFigureOut">
               <a:rPr lang="en-US" smtClean="0"/>
               <a:pPr/>
-              <a:t>10/1/2019</a:t>
+              <a:t>10/4/2019</a:t>
             </a:fld>
             <a:endParaRPr lang="en-US"/>
           </a:p>
@@ -1079,7 +1080,7 @@
             <a:fld id="{E81BFD8A-449E-480A-A71C-0B0F07D675E6}" type="datetimeFigureOut">
               <a:rPr lang="en-US" smtClean="0"/>
               <a:pPr/>
-              <a:t>10/1/2019</a:t>
+              <a:t>10/4/2019</a:t>
             </a:fld>
             <a:endParaRPr lang="en-US"/>
           </a:p>
@@ -1366,7 +1367,7 @@
             <a:fld id="{E81BFD8A-449E-480A-A71C-0B0F07D675E6}" type="datetimeFigureOut">
               <a:rPr lang="en-US" smtClean="0"/>
               <a:pPr/>
-              <a:t>10/1/2019</a:t>
+              <a:t>10/4/2019</a:t>
             </a:fld>
             <a:endParaRPr lang="en-US"/>
           </a:p>
@@ -1787,7 +1788,7 @@
             <a:fld id="{E81BFD8A-449E-480A-A71C-0B0F07D675E6}" type="datetimeFigureOut">
               <a:rPr lang="en-US" smtClean="0"/>
               <a:pPr/>
-              <a:t>10/1/2019</a:t>
+              <a:t>10/4/2019</a:t>
             </a:fld>
             <a:endParaRPr lang="en-US"/>
           </a:p>
@@ -1906,7 +1907,7 @@
             <a:fld id="{E81BFD8A-449E-480A-A71C-0B0F07D675E6}" type="datetimeFigureOut">
               <a:rPr lang="en-US" smtClean="0"/>
               <a:pPr/>
-              <a:t>10/1/2019</a:t>
+              <a:t>10/4/2019</a:t>
             </a:fld>
             <a:endParaRPr lang="en-US"/>
           </a:p>
@@ -2003,7 +2004,7 @@
             <a:fld id="{E81BFD8A-449E-480A-A71C-0B0F07D675E6}" type="datetimeFigureOut">
               <a:rPr lang="en-US" smtClean="0"/>
               <a:pPr/>
-              <a:t>10/1/2019</a:t>
+              <a:t>10/4/2019</a:t>
             </a:fld>
             <a:endParaRPr lang="en-US"/>
           </a:p>
@@ -2280,7 +2281,7 @@
             <a:fld id="{E81BFD8A-449E-480A-A71C-0B0F07D675E6}" type="datetimeFigureOut">
               <a:rPr lang="en-US" smtClean="0"/>
               <a:pPr/>
-              <a:t>10/1/2019</a:t>
+              <a:t>10/4/2019</a:t>
             </a:fld>
             <a:endParaRPr lang="en-US"/>
           </a:p>
@@ -2534,7 +2535,7 @@
             <a:fld id="{E81BFD8A-449E-480A-A71C-0B0F07D675E6}" type="datetimeFigureOut">
               <a:rPr lang="en-US" smtClean="0"/>
               <a:pPr/>
-              <a:t>10/1/2019</a:t>
+              <a:t>10/4/2019</a:t>
             </a:fld>
             <a:endParaRPr lang="en-US"/>
           </a:p>
@@ -2747,7 +2748,7 @@
             <a:fld id="{E81BFD8A-449E-480A-A71C-0B0F07D675E6}" type="datetimeFigureOut">
               <a:rPr lang="en-US" smtClean="0"/>
               <a:pPr/>
-              <a:t>10/1/2019</a:t>
+              <a:t>10/4/2019</a:t>
             </a:fld>
             <a:endParaRPr lang="en-US"/>
           </a:p>
@@ -5710,6 +5711,1836 @@
     <p:extLst>
       <p:ext uri="{BB962C8B-B14F-4D97-AF65-F5344CB8AC3E}">
         <p14:creationId xmlns:p14="http://schemas.microsoft.com/office/powerpoint/2010/main" val="3865269199"/>
+      </p:ext>
+    </p:extLst>
+  </p:cSld>
+  <p:clrMapOvr>
+    <a:masterClrMapping/>
+  </p:clrMapOvr>
+</p:sld>
+</file>
+
+<file path=ppt/slides/slide11.xml><?xml version="1.0" encoding="utf-8"?>
+<p:sld xmlns:a="http://schemas.openxmlformats.org/drawingml/2006/main" xmlns:r="http://schemas.openxmlformats.org/officeDocument/2006/relationships" xmlns:p="http://schemas.openxmlformats.org/presentationml/2006/main">
+  <p:cSld>
+    <p:spTree>
+      <p:nvGrpSpPr>
+        <p:cNvPr id="1" name=""/>
+        <p:cNvGrpSpPr/>
+        <p:nvPr/>
+      </p:nvGrpSpPr>
+      <p:grpSpPr>
+        <a:xfrm>
+          <a:off x="0" y="0"/>
+          <a:ext cx="0" cy="0"/>
+          <a:chOff x="0" y="0"/>
+          <a:chExt cx="0" cy="0"/>
+        </a:xfrm>
+      </p:grpSpPr>
+      <p:sp>
+        <p:nvSpPr>
+          <p:cNvPr id="5" name="Oval 4"/>
+          <p:cNvSpPr/>
+          <p:nvPr/>
+        </p:nvSpPr>
+        <p:spPr>
+          <a:xfrm>
+            <a:off x="914400" y="808567"/>
+            <a:ext cx="990600" cy="990600"/>
+          </a:xfrm>
+          <a:prstGeom prst="ellipse">
+            <a:avLst/>
+          </a:prstGeom>
+          <a:noFill/>
+          <a:ln>
+            <a:solidFill>
+              <a:srgbClr val="FF0000"/>
+            </a:solidFill>
+          </a:ln>
+        </p:spPr>
+        <p:style>
+          <a:lnRef idx="2">
+            <a:schemeClr val="accent1">
+              <a:shade val="50000"/>
+            </a:schemeClr>
+          </a:lnRef>
+          <a:fillRef idx="1">
+            <a:schemeClr val="accent1"/>
+          </a:fillRef>
+          <a:effectRef idx="0">
+            <a:schemeClr val="accent1"/>
+          </a:effectRef>
+          <a:fontRef idx="minor">
+            <a:schemeClr val="lt1"/>
+          </a:fontRef>
+        </p:style>
+        <p:txBody>
+          <a:bodyPr rtlCol="0" anchor="ctr"/>
+          <a:lstStyle/>
+          <a:p>
+            <a:pPr algn="ctr"/>
+            <a:endParaRPr lang="en-US"/>
+          </a:p>
+        </p:txBody>
+      </p:sp>
+      <p:sp>
+        <p:nvSpPr>
+          <p:cNvPr id="7" name="Oval 6"/>
+          <p:cNvSpPr/>
+          <p:nvPr/>
+        </p:nvSpPr>
+        <p:spPr>
+          <a:xfrm>
+            <a:off x="1261533" y="1358900"/>
+            <a:ext cx="762000" cy="685800"/>
+          </a:xfrm>
+          <a:prstGeom prst="ellipse">
+            <a:avLst/>
+          </a:prstGeom>
+          <a:noFill/>
+          <a:ln>
+            <a:solidFill>
+              <a:schemeClr val="tx2"/>
+            </a:solidFill>
+          </a:ln>
+        </p:spPr>
+        <p:style>
+          <a:lnRef idx="2">
+            <a:schemeClr val="accent1">
+              <a:shade val="50000"/>
+            </a:schemeClr>
+          </a:lnRef>
+          <a:fillRef idx="1">
+            <a:schemeClr val="accent1"/>
+          </a:fillRef>
+          <a:effectRef idx="0">
+            <a:schemeClr val="accent1"/>
+          </a:effectRef>
+          <a:fontRef idx="minor">
+            <a:schemeClr val="lt1"/>
+          </a:fontRef>
+        </p:style>
+        <p:txBody>
+          <a:bodyPr rtlCol="0" anchor="ctr"/>
+          <a:lstStyle/>
+          <a:p>
+            <a:pPr algn="ctr"/>
+            <a:endParaRPr lang="en-US"/>
+          </a:p>
+        </p:txBody>
+      </p:sp>
+      <p:sp>
+        <p:nvSpPr>
+          <p:cNvPr id="8" name="Oval 7"/>
+          <p:cNvSpPr/>
+          <p:nvPr/>
+        </p:nvSpPr>
+        <p:spPr>
+          <a:xfrm>
+            <a:off x="863600" y="1358900"/>
+            <a:ext cx="762000" cy="685800"/>
+          </a:xfrm>
+          <a:prstGeom prst="ellipse">
+            <a:avLst/>
+          </a:prstGeom>
+          <a:noFill/>
+          <a:ln>
+            <a:solidFill>
+              <a:schemeClr val="tx2"/>
+            </a:solidFill>
+          </a:ln>
+        </p:spPr>
+        <p:style>
+          <a:lnRef idx="2">
+            <a:schemeClr val="accent1">
+              <a:shade val="50000"/>
+            </a:schemeClr>
+          </a:lnRef>
+          <a:fillRef idx="1">
+            <a:schemeClr val="accent1"/>
+          </a:fillRef>
+          <a:effectRef idx="0">
+            <a:schemeClr val="accent1"/>
+          </a:effectRef>
+          <a:fontRef idx="minor">
+            <a:schemeClr val="lt1"/>
+          </a:fontRef>
+        </p:style>
+        <p:txBody>
+          <a:bodyPr rtlCol="0" anchor="ctr"/>
+          <a:lstStyle/>
+          <a:p>
+            <a:pPr algn="ctr"/>
+            <a:endParaRPr lang="en-US"/>
+          </a:p>
+        </p:txBody>
+      </p:sp>
+      <p:sp>
+        <p:nvSpPr>
+          <p:cNvPr id="9" name="Oval 8"/>
+          <p:cNvSpPr/>
+          <p:nvPr/>
+        </p:nvSpPr>
+        <p:spPr>
+          <a:xfrm>
+            <a:off x="1227667" y="465667"/>
+            <a:ext cx="762000" cy="685800"/>
+          </a:xfrm>
+          <a:prstGeom prst="ellipse">
+            <a:avLst/>
+          </a:prstGeom>
+          <a:noFill/>
+          <a:ln>
+            <a:solidFill>
+              <a:schemeClr val="tx2"/>
+            </a:solidFill>
+          </a:ln>
+        </p:spPr>
+        <p:style>
+          <a:lnRef idx="2">
+            <a:schemeClr val="accent1">
+              <a:shade val="50000"/>
+            </a:schemeClr>
+          </a:lnRef>
+          <a:fillRef idx="1">
+            <a:schemeClr val="accent1"/>
+          </a:fillRef>
+          <a:effectRef idx="0">
+            <a:schemeClr val="accent1"/>
+          </a:effectRef>
+          <a:fontRef idx="minor">
+            <a:schemeClr val="lt1"/>
+          </a:fontRef>
+        </p:style>
+        <p:txBody>
+          <a:bodyPr rtlCol="0" anchor="ctr"/>
+          <a:lstStyle/>
+          <a:p>
+            <a:pPr algn="ctr"/>
+            <a:endParaRPr lang="en-US"/>
+          </a:p>
+        </p:txBody>
+      </p:sp>
+      <p:sp>
+        <p:nvSpPr>
+          <p:cNvPr id="6" name="TextBox 5"/>
+          <p:cNvSpPr txBox="1"/>
+          <p:nvPr/>
+        </p:nvSpPr>
+        <p:spPr>
+          <a:xfrm>
+            <a:off x="320037" y="1466467"/>
+            <a:ext cx="590226" cy="523220"/>
+          </a:xfrm>
+          <a:prstGeom prst="rect">
+            <a:avLst/>
+          </a:prstGeom>
+          <a:noFill/>
+        </p:spPr>
+        <p:txBody>
+          <a:bodyPr wrap="none" rtlCol="0">
+            <a:spAutoFit/>
+          </a:bodyPr>
+          <a:lstStyle/>
+          <a:p>
+            <a:pPr algn="ctr"/>
+            <a:r>
+              <a:rPr lang="en-US" sz="1400" dirty="0">
+                <a:solidFill>
+                  <a:schemeClr val="tx2"/>
+                </a:solidFill>
+              </a:rPr>
+              <a:t>Class </a:t>
+            </a:r>
+            <a:br>
+              <a:rPr lang="en-US" sz="1400" dirty="0">
+                <a:solidFill>
+                  <a:schemeClr val="tx2"/>
+                </a:solidFill>
+              </a:rPr>
+            </a:br>
+            <a:r>
+              <a:rPr lang="en-US" sz="1400" dirty="0">
+                <a:solidFill>
+                  <a:schemeClr val="tx2"/>
+                </a:solidFill>
+              </a:rPr>
+              <a:t>Size</a:t>
+            </a:r>
+          </a:p>
+        </p:txBody>
+      </p:sp>
+      <p:sp>
+        <p:nvSpPr>
+          <p:cNvPr id="11" name="TextBox 10"/>
+          <p:cNvSpPr txBox="1"/>
+          <p:nvPr/>
+        </p:nvSpPr>
+        <p:spPr>
+          <a:xfrm>
+            <a:off x="1939612" y="1698004"/>
+            <a:ext cx="887679" cy="738664"/>
+          </a:xfrm>
+          <a:prstGeom prst="rect">
+            <a:avLst/>
+          </a:prstGeom>
+          <a:noFill/>
+        </p:spPr>
+        <p:txBody>
+          <a:bodyPr wrap="none" rtlCol="0">
+            <a:spAutoFit/>
+          </a:bodyPr>
+          <a:lstStyle/>
+          <a:p>
+            <a:pPr algn="ctr"/>
+            <a:r>
+              <a:rPr lang="en-US" sz="1400" dirty="0">
+                <a:solidFill>
+                  <a:schemeClr val="tx2"/>
+                </a:solidFill>
+              </a:rPr>
+              <a:t>Socio-</a:t>
+            </a:r>
+            <a:br>
+              <a:rPr lang="en-US" sz="1400" dirty="0">
+                <a:solidFill>
+                  <a:schemeClr val="tx2"/>
+                </a:solidFill>
+              </a:rPr>
+            </a:br>
+            <a:r>
+              <a:rPr lang="en-US" sz="1400" dirty="0">
+                <a:solidFill>
+                  <a:schemeClr val="tx2"/>
+                </a:solidFill>
+              </a:rPr>
+              <a:t>Economic</a:t>
+            </a:r>
+            <a:br>
+              <a:rPr lang="en-US" sz="1400" dirty="0">
+                <a:solidFill>
+                  <a:schemeClr val="tx2"/>
+                </a:solidFill>
+              </a:rPr>
+            </a:br>
+            <a:r>
+              <a:rPr lang="en-US" sz="1400" dirty="0">
+                <a:solidFill>
+                  <a:schemeClr val="tx2"/>
+                </a:solidFill>
+              </a:rPr>
+              <a:t>Status</a:t>
+            </a:r>
+          </a:p>
+        </p:txBody>
+      </p:sp>
+      <p:sp>
+        <p:nvSpPr>
+          <p:cNvPr id="12" name="TextBox 11"/>
+          <p:cNvSpPr txBox="1"/>
+          <p:nvPr/>
+        </p:nvSpPr>
+        <p:spPr>
+          <a:xfrm>
+            <a:off x="947235" y="175452"/>
+            <a:ext cx="1322863" cy="307777"/>
+          </a:xfrm>
+          <a:prstGeom prst="rect">
+            <a:avLst/>
+          </a:prstGeom>
+          <a:noFill/>
+        </p:spPr>
+        <p:txBody>
+          <a:bodyPr wrap="none" rtlCol="0">
+            <a:spAutoFit/>
+          </a:bodyPr>
+          <a:lstStyle/>
+          <a:p>
+            <a:r>
+              <a:rPr lang="en-US" sz="1400" dirty="0">
+                <a:solidFill>
+                  <a:schemeClr val="tx2"/>
+                </a:solidFill>
+              </a:rPr>
+              <a:t>Teacher Quality</a:t>
+            </a:r>
+          </a:p>
+        </p:txBody>
+      </p:sp>
+      <p:sp>
+        <p:nvSpPr>
+          <p:cNvPr id="21" name="TextBox 20"/>
+          <p:cNvSpPr txBox="1"/>
+          <p:nvPr/>
+        </p:nvSpPr>
+        <p:spPr>
+          <a:xfrm>
+            <a:off x="3268133" y="1183695"/>
+            <a:ext cx="5164667" cy="369332"/>
+          </a:xfrm>
+          <a:prstGeom prst="rect">
+            <a:avLst/>
+          </a:prstGeom>
+          <a:noFill/>
+        </p:spPr>
+        <p:txBody>
+          <a:bodyPr wrap="square" rtlCol="0">
+            <a:spAutoFit/>
+          </a:bodyPr>
+          <a:lstStyle/>
+          <a:p>
+            <a:r>
+              <a:rPr lang="en-US" dirty="0">
+                <a:solidFill>
+                  <a:schemeClr val="tx1">
+                    <a:lumMod val="50000"/>
+                    <a:lumOff val="50000"/>
+                  </a:schemeClr>
+                </a:solidFill>
+              </a:rPr>
+              <a:t>Full Model:  TS = B0 +  B1</a:t>
+            </a:r>
+            <a:r>
+              <a:rPr lang="en-US" dirty="0">
+                <a:solidFill>
+                  <a:schemeClr val="tx1">
+                    <a:lumMod val="50000"/>
+                    <a:lumOff val="50000"/>
+                  </a:schemeClr>
+                </a:solidFill>
+                <a:sym typeface="Symbol"/>
+              </a:rPr>
+              <a:t></a:t>
+            </a:r>
+            <a:r>
+              <a:rPr lang="en-US" u="sng" dirty="0">
+                <a:solidFill>
+                  <a:schemeClr val="tx1">
+                    <a:lumMod val="50000"/>
+                    <a:lumOff val="50000"/>
+                  </a:schemeClr>
+                </a:solidFill>
+              </a:rPr>
+              <a:t>CS</a:t>
+            </a:r>
+            <a:r>
+              <a:rPr lang="en-US" dirty="0">
+                <a:solidFill>
+                  <a:schemeClr val="tx1">
+                    <a:lumMod val="50000"/>
+                    <a:lumOff val="50000"/>
+                  </a:schemeClr>
+                </a:solidFill>
+              </a:rPr>
+              <a:t>  +  B2</a:t>
+            </a:r>
+            <a:r>
+              <a:rPr lang="en-US" dirty="0">
+                <a:solidFill>
+                  <a:schemeClr val="tx1">
+                    <a:lumMod val="50000"/>
+                    <a:lumOff val="50000"/>
+                  </a:schemeClr>
+                </a:solidFill>
+                <a:sym typeface="Symbol"/>
+              </a:rPr>
+              <a:t></a:t>
+            </a:r>
+            <a:r>
+              <a:rPr lang="en-US" dirty="0">
+                <a:solidFill>
+                  <a:schemeClr val="tx1">
+                    <a:lumMod val="50000"/>
+                    <a:lumOff val="50000"/>
+                  </a:schemeClr>
+                </a:solidFill>
+              </a:rPr>
+              <a:t>SES  +  B3</a:t>
+            </a:r>
+            <a:r>
+              <a:rPr lang="en-US" dirty="0">
+                <a:solidFill>
+                  <a:schemeClr val="tx1">
+                    <a:lumMod val="50000"/>
+                    <a:lumOff val="50000"/>
+                  </a:schemeClr>
+                </a:solidFill>
+                <a:sym typeface="Symbol"/>
+              </a:rPr>
+              <a:t></a:t>
+            </a:r>
+            <a:r>
+              <a:rPr lang="en-US" dirty="0">
+                <a:solidFill>
+                  <a:schemeClr val="tx1">
+                    <a:lumMod val="50000"/>
+                    <a:lumOff val="50000"/>
+                  </a:schemeClr>
+                </a:solidFill>
+              </a:rPr>
+              <a:t>TQ  +  e</a:t>
+            </a:r>
+          </a:p>
+        </p:txBody>
+      </p:sp>
+      <p:grpSp>
+        <p:nvGrpSpPr>
+          <p:cNvPr id="3" name="Group 2"/>
+          <p:cNvGrpSpPr/>
+          <p:nvPr/>
+        </p:nvGrpSpPr>
+        <p:grpSpPr>
+          <a:xfrm>
+            <a:off x="228600" y="2743200"/>
+            <a:ext cx="4114800" cy="3505200"/>
+            <a:chOff x="228600" y="2743200"/>
+            <a:chExt cx="4114800" cy="3505200"/>
+          </a:xfrm>
+        </p:grpSpPr>
+        <p:pic>
+          <p:nvPicPr>
+            <p:cNvPr id="15" name="Picture 2" descr="http://westinstenv.org/wp-content/postimage/accuracy_precision.jpg"/>
+            <p:cNvPicPr>
+              <a:picLocks noChangeAspect="1" noChangeArrowheads="1"/>
+            </p:cNvPicPr>
+            <p:nvPr/>
+          </p:nvPicPr>
+          <p:blipFill>
+            <a:blip r:embed="rId2" cstate="print">
+              <a:extLst>
+                <a:ext uri="{28A0092B-C50C-407E-A947-70E740481C1C}">
+                  <a14:useLocalDpi xmlns:a14="http://schemas.microsoft.com/office/drawing/2010/main" val="0"/>
+                </a:ext>
+              </a:extLst>
+            </a:blip>
+            <a:srcRect/>
+            <a:stretch>
+              <a:fillRect/>
+            </a:stretch>
+          </p:blipFill>
+          <p:spPr bwMode="auto">
+            <a:xfrm>
+              <a:off x="228600" y="2743200"/>
+              <a:ext cx="4114800" cy="3505200"/>
+            </a:xfrm>
+            <a:prstGeom prst="rect">
+              <a:avLst/>
+            </a:prstGeom>
+            <a:noFill/>
+            <a:extLst>
+              <a:ext uri="{909E8E84-426E-40DD-AFC4-6F175D3DCCD1}">
+                <a14:hiddenFill xmlns:a14="http://schemas.microsoft.com/office/drawing/2010/main">
+                  <a:solidFill>
+                    <a:srgbClr val="FFFFFF"/>
+                  </a:solidFill>
+                </a14:hiddenFill>
+              </a:ext>
+            </a:extLst>
+          </p:spPr>
+        </p:pic>
+        <p:sp>
+          <p:nvSpPr>
+            <p:cNvPr id="2" name="TextBox 1"/>
+            <p:cNvSpPr txBox="1"/>
+            <p:nvPr/>
+          </p:nvSpPr>
+          <p:spPr>
+            <a:xfrm>
+              <a:off x="381000" y="2954867"/>
+              <a:ext cx="317716" cy="369332"/>
+            </a:xfrm>
+            <a:prstGeom prst="rect">
+              <a:avLst/>
+            </a:prstGeom>
+            <a:noFill/>
+          </p:spPr>
+          <p:txBody>
+            <a:bodyPr wrap="none" rtlCol="0">
+              <a:spAutoFit/>
+            </a:bodyPr>
+            <a:lstStyle/>
+            <a:p>
+              <a:r>
+                <a:rPr lang="en-US" dirty="0"/>
+                <a:t>A</a:t>
+              </a:r>
+            </a:p>
+          </p:txBody>
+        </p:sp>
+        <p:sp>
+          <p:nvSpPr>
+            <p:cNvPr id="32" name="TextBox 31"/>
+            <p:cNvSpPr txBox="1"/>
+            <p:nvPr/>
+          </p:nvSpPr>
+          <p:spPr>
+            <a:xfrm>
+              <a:off x="2425484" y="2954867"/>
+              <a:ext cx="317716" cy="369332"/>
+            </a:xfrm>
+            <a:prstGeom prst="rect">
+              <a:avLst/>
+            </a:prstGeom>
+            <a:noFill/>
+          </p:spPr>
+          <p:txBody>
+            <a:bodyPr wrap="none" rtlCol="0">
+              <a:spAutoFit/>
+            </a:bodyPr>
+            <a:lstStyle/>
+            <a:p>
+              <a:r>
+                <a:rPr lang="en-US" dirty="0"/>
+                <a:t>B</a:t>
+              </a:r>
+            </a:p>
+          </p:txBody>
+        </p:sp>
+        <p:sp>
+          <p:nvSpPr>
+            <p:cNvPr id="35" name="TextBox 34"/>
+            <p:cNvSpPr txBox="1"/>
+            <p:nvPr/>
+          </p:nvSpPr>
+          <p:spPr>
+            <a:xfrm>
+              <a:off x="435009" y="4560901"/>
+              <a:ext cx="317716" cy="369332"/>
+            </a:xfrm>
+            <a:prstGeom prst="rect">
+              <a:avLst/>
+            </a:prstGeom>
+            <a:noFill/>
+          </p:spPr>
+          <p:txBody>
+            <a:bodyPr wrap="none" rtlCol="0">
+              <a:spAutoFit/>
+            </a:bodyPr>
+            <a:lstStyle/>
+            <a:p>
+              <a:r>
+                <a:rPr lang="en-US" dirty="0"/>
+                <a:t>C</a:t>
+              </a:r>
+            </a:p>
+          </p:txBody>
+        </p:sp>
+        <p:sp>
+          <p:nvSpPr>
+            <p:cNvPr id="37" name="TextBox 36"/>
+            <p:cNvSpPr txBox="1"/>
+            <p:nvPr/>
+          </p:nvSpPr>
+          <p:spPr>
+            <a:xfrm>
+              <a:off x="2383452" y="4587720"/>
+              <a:ext cx="327334" cy="369332"/>
+            </a:xfrm>
+            <a:prstGeom prst="rect">
+              <a:avLst/>
+            </a:prstGeom>
+            <a:noFill/>
+          </p:spPr>
+          <p:txBody>
+            <a:bodyPr wrap="none" rtlCol="0">
+              <a:spAutoFit/>
+            </a:bodyPr>
+            <a:lstStyle/>
+            <a:p>
+              <a:r>
+                <a:rPr lang="en-US" dirty="0"/>
+                <a:t>D</a:t>
+              </a:r>
+            </a:p>
+          </p:txBody>
+        </p:sp>
+      </p:grpSp>
+      <p:grpSp>
+        <p:nvGrpSpPr>
+          <p:cNvPr id="4" name="Group 3">
+            <a:extLst>
+              <a:ext uri="{FF2B5EF4-FFF2-40B4-BE49-F238E27FC236}">
+                <a16:creationId xmlns:a16="http://schemas.microsoft.com/office/drawing/2014/main" id="{EB0ACC18-A2AA-4E24-9397-4929DE90E049}"/>
+              </a:ext>
+            </a:extLst>
+          </p:cNvPr>
+          <p:cNvGrpSpPr/>
+          <p:nvPr/>
+        </p:nvGrpSpPr>
+        <p:grpSpPr>
+          <a:xfrm>
+            <a:off x="5063837" y="1905000"/>
+            <a:ext cx="3387657" cy="4724400"/>
+            <a:chOff x="5063837" y="1905000"/>
+            <a:chExt cx="3387657" cy="4724400"/>
+          </a:xfrm>
+        </p:grpSpPr>
+        <p:sp>
+          <p:nvSpPr>
+            <p:cNvPr id="13" name="Oval 12"/>
+            <p:cNvSpPr/>
+            <p:nvPr/>
+          </p:nvSpPr>
+          <p:spPr>
+            <a:xfrm>
+              <a:off x="5139267" y="4894502"/>
+              <a:ext cx="990600" cy="990600"/>
+            </a:xfrm>
+            <a:prstGeom prst="ellipse">
+              <a:avLst/>
+            </a:prstGeom>
+            <a:noFill/>
+            <a:ln>
+              <a:solidFill>
+                <a:srgbClr val="FF0000"/>
+              </a:solidFill>
+            </a:ln>
+          </p:spPr>
+          <p:style>
+            <a:lnRef idx="2">
+              <a:schemeClr val="accent1">
+                <a:shade val="50000"/>
+              </a:schemeClr>
+            </a:lnRef>
+            <a:fillRef idx="1">
+              <a:schemeClr val="accent1"/>
+            </a:fillRef>
+            <a:effectRef idx="0">
+              <a:schemeClr val="accent1"/>
+            </a:effectRef>
+            <a:fontRef idx="minor">
+              <a:schemeClr val="lt1"/>
+            </a:fontRef>
+          </p:style>
+          <p:txBody>
+            <a:bodyPr rtlCol="0" anchor="ctr"/>
+            <a:lstStyle/>
+            <a:p>
+              <a:pPr algn="ctr"/>
+              <a:endParaRPr lang="en-US"/>
+            </a:p>
+          </p:txBody>
+        </p:sp>
+        <p:sp>
+          <p:nvSpPr>
+            <p:cNvPr id="14" name="Oval 13"/>
+            <p:cNvSpPr/>
+            <p:nvPr/>
+          </p:nvSpPr>
+          <p:spPr>
+            <a:xfrm>
+              <a:off x="5486400" y="5444835"/>
+              <a:ext cx="762000" cy="685800"/>
+            </a:xfrm>
+            <a:prstGeom prst="ellipse">
+              <a:avLst/>
+            </a:prstGeom>
+            <a:noFill/>
+            <a:ln>
+              <a:solidFill>
+                <a:schemeClr val="tx2"/>
+              </a:solidFill>
+            </a:ln>
+          </p:spPr>
+          <p:style>
+            <a:lnRef idx="2">
+              <a:schemeClr val="accent1">
+                <a:shade val="50000"/>
+              </a:schemeClr>
+            </a:lnRef>
+            <a:fillRef idx="1">
+              <a:schemeClr val="accent1"/>
+            </a:fillRef>
+            <a:effectRef idx="0">
+              <a:schemeClr val="accent1"/>
+            </a:effectRef>
+            <a:fontRef idx="minor">
+              <a:schemeClr val="lt1"/>
+            </a:fontRef>
+          </p:style>
+          <p:txBody>
+            <a:bodyPr rtlCol="0" anchor="ctr"/>
+            <a:lstStyle/>
+            <a:p>
+              <a:pPr algn="ctr"/>
+              <a:endParaRPr lang="en-US"/>
+            </a:p>
+          </p:txBody>
+        </p:sp>
+        <p:sp>
+          <p:nvSpPr>
+            <p:cNvPr id="16" name="Oval 15"/>
+            <p:cNvSpPr/>
+            <p:nvPr/>
+          </p:nvSpPr>
+          <p:spPr>
+            <a:xfrm>
+              <a:off x="5088467" y="5444835"/>
+              <a:ext cx="762000" cy="685800"/>
+            </a:xfrm>
+            <a:prstGeom prst="ellipse">
+              <a:avLst/>
+            </a:prstGeom>
+            <a:noFill/>
+            <a:ln>
+              <a:solidFill>
+                <a:schemeClr val="tx2"/>
+              </a:solidFill>
+            </a:ln>
+          </p:spPr>
+          <p:style>
+            <a:lnRef idx="2">
+              <a:schemeClr val="accent1">
+                <a:shade val="50000"/>
+              </a:schemeClr>
+            </a:lnRef>
+            <a:fillRef idx="1">
+              <a:schemeClr val="accent1"/>
+            </a:fillRef>
+            <a:effectRef idx="0">
+              <a:schemeClr val="accent1"/>
+            </a:effectRef>
+            <a:fontRef idx="minor">
+              <a:schemeClr val="lt1"/>
+            </a:fontRef>
+          </p:style>
+          <p:txBody>
+            <a:bodyPr rtlCol="0" anchor="ctr"/>
+            <a:lstStyle/>
+            <a:p>
+              <a:pPr algn="ctr"/>
+              <a:endParaRPr lang="en-US"/>
+            </a:p>
+          </p:txBody>
+        </p:sp>
+        <p:sp>
+          <p:nvSpPr>
+            <p:cNvPr id="17" name="Oval 16"/>
+            <p:cNvSpPr/>
+            <p:nvPr/>
+          </p:nvSpPr>
+          <p:spPr>
+            <a:xfrm>
+              <a:off x="5452534" y="4551602"/>
+              <a:ext cx="762000" cy="685800"/>
+            </a:xfrm>
+            <a:prstGeom prst="ellipse">
+              <a:avLst/>
+            </a:prstGeom>
+            <a:noFill/>
+            <a:ln>
+              <a:solidFill>
+                <a:schemeClr val="tx2"/>
+              </a:solidFill>
+            </a:ln>
+          </p:spPr>
+          <p:style>
+            <a:lnRef idx="2">
+              <a:schemeClr val="accent1">
+                <a:shade val="50000"/>
+              </a:schemeClr>
+            </a:lnRef>
+            <a:fillRef idx="1">
+              <a:schemeClr val="accent1"/>
+            </a:fillRef>
+            <a:effectRef idx="0">
+              <a:schemeClr val="accent1"/>
+            </a:effectRef>
+            <a:fontRef idx="minor">
+              <a:schemeClr val="lt1"/>
+            </a:fontRef>
+          </p:style>
+          <p:txBody>
+            <a:bodyPr rtlCol="0" anchor="ctr"/>
+            <a:lstStyle/>
+            <a:p>
+              <a:pPr algn="ctr"/>
+              <a:endParaRPr lang="en-US"/>
+            </a:p>
+          </p:txBody>
+        </p:sp>
+        <p:sp>
+          <p:nvSpPr>
+            <p:cNvPr id="18" name="TextBox 17"/>
+            <p:cNvSpPr txBox="1"/>
+            <p:nvPr/>
+          </p:nvSpPr>
+          <p:spPr>
+            <a:xfrm>
+              <a:off x="5139267" y="5787735"/>
+              <a:ext cx="362600" cy="307777"/>
+            </a:xfrm>
+            <a:prstGeom prst="rect">
+              <a:avLst/>
+            </a:prstGeom>
+            <a:noFill/>
+          </p:spPr>
+          <p:txBody>
+            <a:bodyPr wrap="none" rtlCol="0">
+              <a:spAutoFit/>
+            </a:bodyPr>
+            <a:lstStyle/>
+            <a:p>
+              <a:r>
+                <a:rPr lang="en-US" sz="1400" dirty="0"/>
+                <a:t>CS</a:t>
+              </a:r>
+            </a:p>
+          </p:txBody>
+        </p:sp>
+        <p:sp>
+          <p:nvSpPr>
+            <p:cNvPr id="19" name="TextBox 18"/>
+            <p:cNvSpPr txBox="1"/>
+            <p:nvPr/>
+          </p:nvSpPr>
+          <p:spPr>
+            <a:xfrm>
+              <a:off x="5794500" y="5776523"/>
+              <a:ext cx="434606" cy="307777"/>
+            </a:xfrm>
+            <a:prstGeom prst="rect">
+              <a:avLst/>
+            </a:prstGeom>
+            <a:noFill/>
+          </p:spPr>
+          <p:txBody>
+            <a:bodyPr wrap="none" rtlCol="0">
+              <a:spAutoFit/>
+            </a:bodyPr>
+            <a:lstStyle/>
+            <a:p>
+              <a:r>
+                <a:rPr lang="en-US" sz="1400" dirty="0"/>
+                <a:t>SES</a:t>
+              </a:r>
+            </a:p>
+          </p:txBody>
+        </p:sp>
+        <p:sp>
+          <p:nvSpPr>
+            <p:cNvPr id="20" name="TextBox 19"/>
+            <p:cNvSpPr txBox="1"/>
+            <p:nvPr/>
+          </p:nvSpPr>
+          <p:spPr>
+            <a:xfrm>
+              <a:off x="5760855" y="4665902"/>
+              <a:ext cx="387991" cy="307777"/>
+            </a:xfrm>
+            <a:prstGeom prst="rect">
+              <a:avLst/>
+            </a:prstGeom>
+            <a:noFill/>
+          </p:spPr>
+          <p:txBody>
+            <a:bodyPr wrap="none" rtlCol="0">
+              <a:spAutoFit/>
+            </a:bodyPr>
+            <a:lstStyle/>
+            <a:p>
+              <a:r>
+                <a:rPr lang="en-US" sz="1400" dirty="0"/>
+                <a:t>TQ</a:t>
+              </a:r>
+            </a:p>
+          </p:txBody>
+        </p:sp>
+        <p:cxnSp>
+          <p:nvCxnSpPr>
+            <p:cNvPr id="10" name="Straight Connector 9"/>
+            <p:cNvCxnSpPr/>
+            <p:nvPr/>
+          </p:nvCxnSpPr>
+          <p:spPr>
+            <a:xfrm>
+              <a:off x="5323773" y="6629400"/>
+              <a:ext cx="728133" cy="0"/>
+            </a:xfrm>
+            <a:prstGeom prst="line">
+              <a:avLst/>
+            </a:prstGeom>
+            <a:ln w="12700">
+              <a:solidFill>
+                <a:schemeClr val="tx1"/>
+              </a:solidFill>
+            </a:ln>
+          </p:spPr>
+          <p:style>
+            <a:lnRef idx="1">
+              <a:schemeClr val="accent1"/>
+            </a:lnRef>
+            <a:fillRef idx="0">
+              <a:schemeClr val="accent1"/>
+            </a:fillRef>
+            <a:effectRef idx="0">
+              <a:schemeClr val="accent1"/>
+            </a:effectRef>
+            <a:fontRef idx="minor">
+              <a:schemeClr val="tx1"/>
+            </a:fontRef>
+          </p:style>
+        </p:cxnSp>
+        <p:cxnSp>
+          <p:nvCxnSpPr>
+            <p:cNvPr id="41" name="Straight Connector 40"/>
+            <p:cNvCxnSpPr/>
+            <p:nvPr/>
+          </p:nvCxnSpPr>
+          <p:spPr>
+            <a:xfrm>
+              <a:off x="7497233" y="6629400"/>
+              <a:ext cx="728133" cy="0"/>
+            </a:xfrm>
+            <a:prstGeom prst="line">
+              <a:avLst/>
+            </a:prstGeom>
+            <a:ln w="12700">
+              <a:solidFill>
+                <a:schemeClr val="tx1"/>
+              </a:solidFill>
+            </a:ln>
+          </p:spPr>
+          <p:style>
+            <a:lnRef idx="1">
+              <a:schemeClr val="accent1"/>
+            </a:lnRef>
+            <a:fillRef idx="0">
+              <a:schemeClr val="accent1"/>
+            </a:fillRef>
+            <a:effectRef idx="0">
+              <a:schemeClr val="accent1"/>
+            </a:effectRef>
+            <a:fontRef idx="minor">
+              <a:schemeClr val="tx1"/>
+            </a:fontRef>
+          </p:style>
+        </p:cxnSp>
+        <p:sp>
+          <p:nvSpPr>
+            <p:cNvPr id="53" name="Oval 52"/>
+            <p:cNvSpPr/>
+            <p:nvPr/>
+          </p:nvSpPr>
+          <p:spPr>
+            <a:xfrm>
+              <a:off x="7460894" y="4883290"/>
+              <a:ext cx="990600" cy="990600"/>
+            </a:xfrm>
+            <a:prstGeom prst="ellipse">
+              <a:avLst/>
+            </a:prstGeom>
+            <a:noFill/>
+            <a:ln>
+              <a:solidFill>
+                <a:srgbClr val="FF0000"/>
+              </a:solidFill>
+            </a:ln>
+          </p:spPr>
+          <p:style>
+            <a:lnRef idx="2">
+              <a:schemeClr val="accent1">
+                <a:shade val="50000"/>
+              </a:schemeClr>
+            </a:lnRef>
+            <a:fillRef idx="1">
+              <a:schemeClr val="accent1"/>
+            </a:fillRef>
+            <a:effectRef idx="0">
+              <a:schemeClr val="accent1"/>
+            </a:effectRef>
+            <a:fontRef idx="minor">
+              <a:schemeClr val="lt1"/>
+            </a:fontRef>
+          </p:style>
+          <p:txBody>
+            <a:bodyPr rtlCol="0" anchor="ctr"/>
+            <a:lstStyle/>
+            <a:p>
+              <a:pPr algn="ctr"/>
+              <a:endParaRPr lang="en-US"/>
+            </a:p>
+          </p:txBody>
+        </p:sp>
+        <p:sp>
+          <p:nvSpPr>
+            <p:cNvPr id="54" name="Oval 53"/>
+            <p:cNvSpPr/>
+            <p:nvPr/>
+          </p:nvSpPr>
+          <p:spPr>
+            <a:xfrm>
+              <a:off x="7410094" y="5433623"/>
+              <a:ext cx="762000" cy="685800"/>
+            </a:xfrm>
+            <a:prstGeom prst="ellipse">
+              <a:avLst/>
+            </a:prstGeom>
+            <a:noFill/>
+            <a:ln>
+              <a:solidFill>
+                <a:schemeClr val="tx2"/>
+              </a:solidFill>
+            </a:ln>
+          </p:spPr>
+          <p:style>
+            <a:lnRef idx="2">
+              <a:schemeClr val="accent1">
+                <a:shade val="50000"/>
+              </a:schemeClr>
+            </a:lnRef>
+            <a:fillRef idx="1">
+              <a:schemeClr val="accent1"/>
+            </a:fillRef>
+            <a:effectRef idx="0">
+              <a:schemeClr val="accent1"/>
+            </a:effectRef>
+            <a:fontRef idx="minor">
+              <a:schemeClr val="lt1"/>
+            </a:fontRef>
+          </p:style>
+          <p:txBody>
+            <a:bodyPr rtlCol="0" anchor="ctr"/>
+            <a:lstStyle/>
+            <a:p>
+              <a:pPr algn="ctr"/>
+              <a:endParaRPr lang="en-US"/>
+            </a:p>
+          </p:txBody>
+        </p:sp>
+        <p:sp>
+          <p:nvSpPr>
+            <p:cNvPr id="55" name="TextBox 54"/>
+            <p:cNvSpPr txBox="1"/>
+            <p:nvPr/>
+          </p:nvSpPr>
+          <p:spPr>
+            <a:xfrm>
+              <a:off x="7460894" y="5776523"/>
+              <a:ext cx="362600" cy="307777"/>
+            </a:xfrm>
+            <a:prstGeom prst="rect">
+              <a:avLst/>
+            </a:prstGeom>
+            <a:noFill/>
+          </p:spPr>
+          <p:txBody>
+            <a:bodyPr wrap="none" rtlCol="0">
+              <a:spAutoFit/>
+            </a:bodyPr>
+            <a:lstStyle/>
+            <a:p>
+              <a:r>
+                <a:rPr lang="en-US" sz="1400" dirty="0"/>
+                <a:t>CS</a:t>
+              </a:r>
+            </a:p>
+          </p:txBody>
+        </p:sp>
+        <p:cxnSp>
+          <p:nvCxnSpPr>
+            <p:cNvPr id="56" name="Straight Connector 55"/>
+            <p:cNvCxnSpPr/>
+            <p:nvPr/>
+          </p:nvCxnSpPr>
+          <p:spPr>
+            <a:xfrm>
+              <a:off x="5317067" y="3941233"/>
+              <a:ext cx="728133" cy="0"/>
+            </a:xfrm>
+            <a:prstGeom prst="line">
+              <a:avLst/>
+            </a:prstGeom>
+            <a:ln w="12700">
+              <a:solidFill>
+                <a:schemeClr val="tx1"/>
+              </a:solidFill>
+            </a:ln>
+          </p:spPr>
+          <p:style>
+            <a:lnRef idx="1">
+              <a:schemeClr val="accent1"/>
+            </a:lnRef>
+            <a:fillRef idx="0">
+              <a:schemeClr val="accent1"/>
+            </a:fillRef>
+            <a:effectRef idx="0">
+              <a:schemeClr val="accent1"/>
+            </a:effectRef>
+            <a:fontRef idx="minor">
+              <a:schemeClr val="tx1"/>
+            </a:fontRef>
+          </p:style>
+        </p:cxnSp>
+        <p:cxnSp>
+          <p:nvCxnSpPr>
+            <p:cNvPr id="57" name="Straight Connector 56"/>
+            <p:cNvCxnSpPr/>
+            <p:nvPr/>
+          </p:nvCxnSpPr>
+          <p:spPr>
+            <a:xfrm>
+              <a:off x="7518400" y="3941233"/>
+              <a:ext cx="728133" cy="0"/>
+            </a:xfrm>
+            <a:prstGeom prst="line">
+              <a:avLst/>
+            </a:prstGeom>
+            <a:ln w="12700">
+              <a:solidFill>
+                <a:schemeClr val="tx1"/>
+              </a:solidFill>
+            </a:ln>
+          </p:spPr>
+          <p:style>
+            <a:lnRef idx="1">
+              <a:schemeClr val="accent1"/>
+            </a:lnRef>
+            <a:fillRef idx="0">
+              <a:schemeClr val="accent1"/>
+            </a:fillRef>
+            <a:effectRef idx="0">
+              <a:schemeClr val="accent1"/>
+            </a:effectRef>
+            <a:fontRef idx="minor">
+              <a:schemeClr val="tx1"/>
+            </a:fontRef>
+          </p:style>
+        </p:cxnSp>
+        <p:sp>
+          <p:nvSpPr>
+            <p:cNvPr id="58" name="Oval 57"/>
+            <p:cNvSpPr/>
+            <p:nvPr/>
+          </p:nvSpPr>
+          <p:spPr>
+            <a:xfrm>
+              <a:off x="7366000" y="2247900"/>
+              <a:ext cx="990600" cy="990600"/>
+            </a:xfrm>
+            <a:prstGeom prst="ellipse">
+              <a:avLst/>
+            </a:prstGeom>
+            <a:noFill/>
+            <a:ln>
+              <a:solidFill>
+                <a:srgbClr val="FF0000"/>
+              </a:solidFill>
+            </a:ln>
+          </p:spPr>
+          <p:style>
+            <a:lnRef idx="2">
+              <a:schemeClr val="accent1">
+                <a:shade val="50000"/>
+              </a:schemeClr>
+            </a:lnRef>
+            <a:fillRef idx="1">
+              <a:schemeClr val="accent1"/>
+            </a:fillRef>
+            <a:effectRef idx="0">
+              <a:schemeClr val="accent1"/>
+            </a:effectRef>
+            <a:fontRef idx="minor">
+              <a:schemeClr val="lt1"/>
+            </a:fontRef>
+          </p:style>
+          <p:txBody>
+            <a:bodyPr rtlCol="0" anchor="ctr"/>
+            <a:lstStyle/>
+            <a:p>
+              <a:pPr algn="ctr"/>
+              <a:endParaRPr lang="en-US"/>
+            </a:p>
+          </p:txBody>
+        </p:sp>
+        <p:sp>
+          <p:nvSpPr>
+            <p:cNvPr id="59" name="Oval 58"/>
+            <p:cNvSpPr/>
+            <p:nvPr/>
+          </p:nvSpPr>
+          <p:spPr>
+            <a:xfrm>
+              <a:off x="7315200" y="2798233"/>
+              <a:ext cx="762000" cy="685800"/>
+            </a:xfrm>
+            <a:prstGeom prst="ellipse">
+              <a:avLst/>
+            </a:prstGeom>
+            <a:noFill/>
+            <a:ln>
+              <a:solidFill>
+                <a:schemeClr val="tx2"/>
+              </a:solidFill>
+            </a:ln>
+          </p:spPr>
+          <p:style>
+            <a:lnRef idx="2">
+              <a:schemeClr val="accent1">
+                <a:shade val="50000"/>
+              </a:schemeClr>
+            </a:lnRef>
+            <a:fillRef idx="1">
+              <a:schemeClr val="accent1"/>
+            </a:fillRef>
+            <a:effectRef idx="0">
+              <a:schemeClr val="accent1"/>
+            </a:effectRef>
+            <a:fontRef idx="minor">
+              <a:schemeClr val="lt1"/>
+            </a:fontRef>
+          </p:style>
+          <p:txBody>
+            <a:bodyPr rtlCol="0" anchor="ctr"/>
+            <a:lstStyle/>
+            <a:p>
+              <a:pPr algn="ctr"/>
+              <a:endParaRPr lang="en-US"/>
+            </a:p>
+          </p:txBody>
+        </p:sp>
+        <p:sp>
+          <p:nvSpPr>
+            <p:cNvPr id="60" name="Oval 59"/>
+            <p:cNvSpPr/>
+            <p:nvPr/>
+          </p:nvSpPr>
+          <p:spPr>
+            <a:xfrm>
+              <a:off x="7679267" y="1905000"/>
+              <a:ext cx="762000" cy="685800"/>
+            </a:xfrm>
+            <a:prstGeom prst="ellipse">
+              <a:avLst/>
+            </a:prstGeom>
+            <a:noFill/>
+            <a:ln>
+              <a:solidFill>
+                <a:schemeClr val="tx2"/>
+              </a:solidFill>
+            </a:ln>
+          </p:spPr>
+          <p:style>
+            <a:lnRef idx="2">
+              <a:schemeClr val="accent1">
+                <a:shade val="50000"/>
+              </a:schemeClr>
+            </a:lnRef>
+            <a:fillRef idx="1">
+              <a:schemeClr val="accent1"/>
+            </a:fillRef>
+            <a:effectRef idx="0">
+              <a:schemeClr val="accent1"/>
+            </a:effectRef>
+            <a:fontRef idx="minor">
+              <a:schemeClr val="lt1"/>
+            </a:fontRef>
+          </p:style>
+          <p:txBody>
+            <a:bodyPr rtlCol="0" anchor="ctr"/>
+            <a:lstStyle/>
+            <a:p>
+              <a:pPr algn="ctr"/>
+              <a:endParaRPr lang="en-US"/>
+            </a:p>
+          </p:txBody>
+        </p:sp>
+        <p:sp>
+          <p:nvSpPr>
+            <p:cNvPr id="61" name="TextBox 60"/>
+            <p:cNvSpPr txBox="1"/>
+            <p:nvPr/>
+          </p:nvSpPr>
+          <p:spPr>
+            <a:xfrm>
+              <a:off x="7366000" y="3141133"/>
+              <a:ext cx="362600" cy="307777"/>
+            </a:xfrm>
+            <a:prstGeom prst="rect">
+              <a:avLst/>
+            </a:prstGeom>
+            <a:noFill/>
+          </p:spPr>
+          <p:txBody>
+            <a:bodyPr wrap="none" rtlCol="0">
+              <a:spAutoFit/>
+            </a:bodyPr>
+            <a:lstStyle/>
+            <a:p>
+              <a:r>
+                <a:rPr lang="en-US" sz="1400" dirty="0"/>
+                <a:t>CS</a:t>
+              </a:r>
+            </a:p>
+          </p:txBody>
+        </p:sp>
+        <p:sp>
+          <p:nvSpPr>
+            <p:cNvPr id="62" name="TextBox 61"/>
+            <p:cNvSpPr txBox="1"/>
+            <p:nvPr/>
+          </p:nvSpPr>
+          <p:spPr>
+            <a:xfrm>
+              <a:off x="7987588" y="2019300"/>
+              <a:ext cx="387991" cy="307777"/>
+            </a:xfrm>
+            <a:prstGeom prst="rect">
+              <a:avLst/>
+            </a:prstGeom>
+            <a:noFill/>
+          </p:spPr>
+          <p:txBody>
+            <a:bodyPr wrap="none" rtlCol="0">
+              <a:spAutoFit/>
+            </a:bodyPr>
+            <a:lstStyle/>
+            <a:p>
+              <a:r>
+                <a:rPr lang="en-US" sz="1400" dirty="0"/>
+                <a:t>TQ</a:t>
+              </a:r>
+            </a:p>
+          </p:txBody>
+        </p:sp>
+        <p:sp>
+          <p:nvSpPr>
+            <p:cNvPr id="63" name="Oval 62"/>
+            <p:cNvSpPr/>
+            <p:nvPr/>
+          </p:nvSpPr>
+          <p:spPr>
+            <a:xfrm>
+              <a:off x="5114637" y="2095500"/>
+              <a:ext cx="990600" cy="990600"/>
+            </a:xfrm>
+            <a:prstGeom prst="ellipse">
+              <a:avLst/>
+            </a:prstGeom>
+            <a:noFill/>
+            <a:ln>
+              <a:solidFill>
+                <a:srgbClr val="FF0000"/>
+              </a:solidFill>
+            </a:ln>
+          </p:spPr>
+          <p:style>
+            <a:lnRef idx="2">
+              <a:schemeClr val="accent1">
+                <a:shade val="50000"/>
+              </a:schemeClr>
+            </a:lnRef>
+            <a:fillRef idx="1">
+              <a:schemeClr val="accent1"/>
+            </a:fillRef>
+            <a:effectRef idx="0">
+              <a:schemeClr val="accent1"/>
+            </a:effectRef>
+            <a:fontRef idx="minor">
+              <a:schemeClr val="lt1"/>
+            </a:fontRef>
+          </p:style>
+          <p:txBody>
+            <a:bodyPr rtlCol="0" anchor="ctr"/>
+            <a:lstStyle/>
+            <a:p>
+              <a:pPr algn="ctr"/>
+              <a:endParaRPr lang="en-US"/>
+            </a:p>
+          </p:txBody>
+        </p:sp>
+        <p:sp>
+          <p:nvSpPr>
+            <p:cNvPr id="64" name="Oval 63"/>
+            <p:cNvSpPr/>
+            <p:nvPr/>
+          </p:nvSpPr>
+          <p:spPr>
+            <a:xfrm>
+              <a:off x="5461770" y="2645833"/>
+              <a:ext cx="762000" cy="685800"/>
+            </a:xfrm>
+            <a:prstGeom prst="ellipse">
+              <a:avLst/>
+            </a:prstGeom>
+            <a:noFill/>
+            <a:ln>
+              <a:solidFill>
+                <a:schemeClr val="tx2"/>
+              </a:solidFill>
+            </a:ln>
+          </p:spPr>
+          <p:style>
+            <a:lnRef idx="2">
+              <a:schemeClr val="accent1">
+                <a:shade val="50000"/>
+              </a:schemeClr>
+            </a:lnRef>
+            <a:fillRef idx="1">
+              <a:schemeClr val="accent1"/>
+            </a:fillRef>
+            <a:effectRef idx="0">
+              <a:schemeClr val="accent1"/>
+            </a:effectRef>
+            <a:fontRef idx="minor">
+              <a:schemeClr val="lt1"/>
+            </a:fontRef>
+          </p:style>
+          <p:txBody>
+            <a:bodyPr rtlCol="0" anchor="ctr"/>
+            <a:lstStyle/>
+            <a:p>
+              <a:pPr algn="ctr"/>
+              <a:endParaRPr lang="en-US"/>
+            </a:p>
+          </p:txBody>
+        </p:sp>
+        <p:sp>
+          <p:nvSpPr>
+            <p:cNvPr id="65" name="Oval 64"/>
+            <p:cNvSpPr/>
+            <p:nvPr/>
+          </p:nvSpPr>
+          <p:spPr>
+            <a:xfrm>
+              <a:off x="5063837" y="2645833"/>
+              <a:ext cx="762000" cy="685800"/>
+            </a:xfrm>
+            <a:prstGeom prst="ellipse">
+              <a:avLst/>
+            </a:prstGeom>
+            <a:noFill/>
+            <a:ln>
+              <a:solidFill>
+                <a:schemeClr val="tx2"/>
+              </a:solidFill>
+            </a:ln>
+          </p:spPr>
+          <p:style>
+            <a:lnRef idx="2">
+              <a:schemeClr val="accent1">
+                <a:shade val="50000"/>
+              </a:schemeClr>
+            </a:lnRef>
+            <a:fillRef idx="1">
+              <a:schemeClr val="accent1"/>
+            </a:fillRef>
+            <a:effectRef idx="0">
+              <a:schemeClr val="accent1"/>
+            </a:effectRef>
+            <a:fontRef idx="minor">
+              <a:schemeClr val="lt1"/>
+            </a:fontRef>
+          </p:style>
+          <p:txBody>
+            <a:bodyPr rtlCol="0" anchor="ctr"/>
+            <a:lstStyle/>
+            <a:p>
+              <a:pPr algn="ctr"/>
+              <a:endParaRPr lang="en-US"/>
+            </a:p>
+          </p:txBody>
+        </p:sp>
+        <p:sp>
+          <p:nvSpPr>
+            <p:cNvPr id="66" name="TextBox 65"/>
+            <p:cNvSpPr txBox="1"/>
+            <p:nvPr/>
+          </p:nvSpPr>
+          <p:spPr>
+            <a:xfrm>
+              <a:off x="5114637" y="2988733"/>
+              <a:ext cx="362600" cy="307777"/>
+            </a:xfrm>
+            <a:prstGeom prst="rect">
+              <a:avLst/>
+            </a:prstGeom>
+            <a:noFill/>
+          </p:spPr>
+          <p:txBody>
+            <a:bodyPr wrap="none" rtlCol="0">
+              <a:spAutoFit/>
+            </a:bodyPr>
+            <a:lstStyle/>
+            <a:p>
+              <a:r>
+                <a:rPr lang="en-US" sz="1400" dirty="0"/>
+                <a:t>CS</a:t>
+              </a:r>
+            </a:p>
+          </p:txBody>
+        </p:sp>
+        <p:sp>
+          <p:nvSpPr>
+            <p:cNvPr id="67" name="TextBox 66"/>
+            <p:cNvSpPr txBox="1"/>
+            <p:nvPr/>
+          </p:nvSpPr>
+          <p:spPr>
+            <a:xfrm>
+              <a:off x="5778749" y="2977521"/>
+              <a:ext cx="434606" cy="307777"/>
+            </a:xfrm>
+            <a:prstGeom prst="rect">
+              <a:avLst/>
+            </a:prstGeom>
+            <a:noFill/>
+          </p:spPr>
+          <p:txBody>
+            <a:bodyPr wrap="none" rtlCol="0">
+              <a:spAutoFit/>
+            </a:bodyPr>
+            <a:lstStyle/>
+            <a:p>
+              <a:r>
+                <a:rPr lang="en-US" sz="1400" dirty="0"/>
+                <a:t>SES</a:t>
+              </a:r>
+            </a:p>
+          </p:txBody>
+        </p:sp>
+      </p:grpSp>
+      <p:sp>
+        <p:nvSpPr>
+          <p:cNvPr id="42" name="Title 1">
+            <a:extLst>
+              <a:ext uri="{FF2B5EF4-FFF2-40B4-BE49-F238E27FC236}">
+                <a16:creationId xmlns:a16="http://schemas.microsoft.com/office/drawing/2014/main" id="{1F099A72-D1BD-443F-ADF3-BC0656756A33}"/>
+              </a:ext>
+            </a:extLst>
+          </p:cNvPr>
+          <p:cNvSpPr>
+            <a:spLocks noGrp="1"/>
+          </p:cNvSpPr>
+          <p:nvPr>
+            <p:ph type="title"/>
+          </p:nvPr>
+        </p:nvSpPr>
+        <p:spPr>
+          <a:xfrm>
+            <a:off x="2352387" y="69722"/>
+            <a:ext cx="6946900" cy="1143000"/>
+          </a:xfrm>
+        </p:spPr>
+        <p:txBody>
+          <a:bodyPr>
+            <a:normAutofit/>
+          </a:bodyPr>
+          <a:lstStyle/>
+          <a:p>
+            <a:r>
+              <a:rPr lang="en-US" sz="2800" dirty="0">
+                <a:solidFill>
+                  <a:schemeClr val="tx1">
+                    <a:lumMod val="50000"/>
+                    <a:lumOff val="50000"/>
+                  </a:schemeClr>
+                </a:solidFill>
+              </a:rPr>
+              <a:t>Match the cases on the right to the descriptions of model fit on the left</a:t>
+            </a:r>
+          </a:p>
+        </p:txBody>
+      </p:sp>
+      <p:sp>
+        <p:nvSpPr>
+          <p:cNvPr id="47" name="TextBox 46">
+            <a:extLst>
+              <a:ext uri="{FF2B5EF4-FFF2-40B4-BE49-F238E27FC236}">
+                <a16:creationId xmlns:a16="http://schemas.microsoft.com/office/drawing/2014/main" id="{BEC8033A-928A-44A3-8DA4-2007E0A13095}"/>
+              </a:ext>
+            </a:extLst>
+          </p:cNvPr>
+          <p:cNvSpPr txBox="1"/>
+          <p:nvPr/>
+        </p:nvSpPr>
+        <p:spPr>
+          <a:xfrm>
+            <a:off x="371062" y="673011"/>
+            <a:ext cx="655308" cy="523220"/>
+          </a:xfrm>
+          <a:prstGeom prst="rect">
+            <a:avLst/>
+          </a:prstGeom>
+          <a:noFill/>
+        </p:spPr>
+        <p:txBody>
+          <a:bodyPr wrap="none" rtlCol="0">
+            <a:spAutoFit/>
+          </a:bodyPr>
+          <a:lstStyle/>
+          <a:p>
+            <a:pPr algn="ctr"/>
+            <a:r>
+              <a:rPr lang="en-US" sz="1400" dirty="0">
+                <a:solidFill>
+                  <a:srgbClr val="C00000"/>
+                </a:solidFill>
+              </a:rPr>
+              <a:t>Test</a:t>
+            </a:r>
+            <a:br>
+              <a:rPr lang="en-US" sz="1400" dirty="0">
+                <a:solidFill>
+                  <a:srgbClr val="C00000"/>
+                </a:solidFill>
+              </a:rPr>
+            </a:br>
+            <a:r>
+              <a:rPr lang="en-US" sz="1400" dirty="0">
+                <a:solidFill>
+                  <a:srgbClr val="C00000"/>
+                </a:solidFill>
+              </a:rPr>
+              <a:t>Scores</a:t>
+            </a:r>
+          </a:p>
+        </p:txBody>
+      </p:sp>
+      <p:sp>
+        <p:nvSpPr>
+          <p:cNvPr id="22" name="TextBox 21">
+            <a:extLst>
+              <a:ext uri="{FF2B5EF4-FFF2-40B4-BE49-F238E27FC236}">
+                <a16:creationId xmlns:a16="http://schemas.microsoft.com/office/drawing/2014/main" id="{222AE638-DDAE-4A4A-A5C2-9EB8AA766AD1}"/>
+              </a:ext>
+            </a:extLst>
+          </p:cNvPr>
+          <p:cNvSpPr txBox="1"/>
+          <p:nvPr/>
+        </p:nvSpPr>
+        <p:spPr>
+          <a:xfrm>
+            <a:off x="5216127" y="3528923"/>
+            <a:ext cx="829073" cy="369332"/>
+          </a:xfrm>
+          <a:prstGeom prst="rect">
+            <a:avLst/>
+          </a:prstGeom>
+          <a:noFill/>
+        </p:spPr>
+        <p:txBody>
+          <a:bodyPr wrap="none" rtlCol="0">
+            <a:spAutoFit/>
+          </a:bodyPr>
+          <a:lstStyle/>
+          <a:p>
+            <a:r>
+              <a:rPr lang="en-US" dirty="0"/>
+              <a:t>CASE 1</a:t>
+            </a:r>
+          </a:p>
+        </p:txBody>
+      </p:sp>
+      <p:sp>
+        <p:nvSpPr>
+          <p:cNvPr id="49" name="TextBox 48">
+            <a:extLst>
+              <a:ext uri="{FF2B5EF4-FFF2-40B4-BE49-F238E27FC236}">
+                <a16:creationId xmlns:a16="http://schemas.microsoft.com/office/drawing/2014/main" id="{DA105196-70CA-4E06-A6F6-FF03D6B01167}"/>
+              </a:ext>
+            </a:extLst>
+          </p:cNvPr>
+          <p:cNvSpPr txBox="1"/>
+          <p:nvPr/>
+        </p:nvSpPr>
+        <p:spPr>
+          <a:xfrm>
+            <a:off x="7458229" y="3515600"/>
+            <a:ext cx="829073" cy="369332"/>
+          </a:xfrm>
+          <a:prstGeom prst="rect">
+            <a:avLst/>
+          </a:prstGeom>
+          <a:noFill/>
+        </p:spPr>
+        <p:txBody>
+          <a:bodyPr wrap="none" rtlCol="0">
+            <a:spAutoFit/>
+          </a:bodyPr>
+          <a:lstStyle/>
+          <a:p>
+            <a:r>
+              <a:rPr lang="en-US" dirty="0"/>
+              <a:t>CASE 2</a:t>
+            </a:r>
+          </a:p>
+        </p:txBody>
+      </p:sp>
+      <p:sp>
+        <p:nvSpPr>
+          <p:cNvPr id="50" name="TextBox 49">
+            <a:extLst>
+              <a:ext uri="{FF2B5EF4-FFF2-40B4-BE49-F238E27FC236}">
+                <a16:creationId xmlns:a16="http://schemas.microsoft.com/office/drawing/2014/main" id="{B4FAC295-632C-4520-AE8E-784B1F8134CA}"/>
+              </a:ext>
+            </a:extLst>
+          </p:cNvPr>
+          <p:cNvSpPr txBox="1"/>
+          <p:nvPr/>
+        </p:nvSpPr>
+        <p:spPr>
+          <a:xfrm>
+            <a:off x="5346318" y="6212911"/>
+            <a:ext cx="829073" cy="369332"/>
+          </a:xfrm>
+          <a:prstGeom prst="rect">
+            <a:avLst/>
+          </a:prstGeom>
+          <a:noFill/>
+        </p:spPr>
+        <p:txBody>
+          <a:bodyPr wrap="none" rtlCol="0">
+            <a:spAutoFit/>
+          </a:bodyPr>
+          <a:lstStyle/>
+          <a:p>
+            <a:r>
+              <a:rPr lang="en-US" dirty="0"/>
+              <a:t>CASE 3</a:t>
+            </a:r>
+          </a:p>
+        </p:txBody>
+      </p:sp>
+      <p:sp>
+        <p:nvSpPr>
+          <p:cNvPr id="51" name="TextBox 50">
+            <a:extLst>
+              <a:ext uri="{FF2B5EF4-FFF2-40B4-BE49-F238E27FC236}">
+                <a16:creationId xmlns:a16="http://schemas.microsoft.com/office/drawing/2014/main" id="{4F2FDC3A-2E60-4EF7-9DC5-66CDB9585701}"/>
+              </a:ext>
+            </a:extLst>
+          </p:cNvPr>
+          <p:cNvSpPr txBox="1"/>
+          <p:nvPr/>
+        </p:nvSpPr>
+        <p:spPr>
+          <a:xfrm>
+            <a:off x="7437809" y="6216268"/>
+            <a:ext cx="829073" cy="369332"/>
+          </a:xfrm>
+          <a:prstGeom prst="rect">
+            <a:avLst/>
+          </a:prstGeom>
+          <a:noFill/>
+        </p:spPr>
+        <p:txBody>
+          <a:bodyPr wrap="none" rtlCol="0">
+            <a:spAutoFit/>
+          </a:bodyPr>
+          <a:lstStyle/>
+          <a:p>
+            <a:r>
+              <a:rPr lang="en-US" dirty="0"/>
+              <a:t>CASE 4</a:t>
+            </a:r>
+          </a:p>
+        </p:txBody>
+      </p:sp>
+    </p:spTree>
+    <p:extLst>
+      <p:ext uri="{BB962C8B-B14F-4D97-AF65-F5344CB8AC3E}">
+        <p14:creationId xmlns:p14="http://schemas.microsoft.com/office/powerpoint/2010/main" val="4062232637"/>
       </p:ext>
     </p:extLst>
   </p:cSld>
